--- a/ait/Stim/Group Agency Stuff/Index.pptx
+++ b/ait/Stim/Group Agency Stuff/Index.pptx
@@ -2,7 +2,7 @@
 <file path=ppt/presentation.xml><?xml version="1.0" encoding="utf-8"?>
 <p:presentation xmlns:a="http://schemas.openxmlformats.org/drawingml/2006/main" xmlns:r="http://schemas.openxmlformats.org/officeDocument/2006/relationships" xmlns:p="http://schemas.openxmlformats.org/presentationml/2006/main" saveSubsetFonts="1">
   <p:sldMasterIdLst>
-    <p:sldMasterId id="2147483660" r:id="rId1"/>
+    <p:sldMasterId id="2147483672" r:id="rId1"/>
   </p:sldMasterIdLst>
   <p:sldIdLst>
     <p:sldId id="256" r:id="rId2"/>
@@ -37,7 +37,7 @@
     <p:sldId id="287" r:id="rId31"/>
     <p:sldId id="288" r:id="rId32"/>
   </p:sldIdLst>
-  <p:sldSz cx="13441363" cy="8686800"/>
+  <p:sldSz cx="14630400" cy="10058400"/>
   <p:notesSz cx="6858000" cy="9144000"/>
   <p:defaultTextStyle>
     <a:defPPr>
@@ -171,15 +171,15 @@
         </p:nvSpPr>
         <p:spPr>
           <a:xfrm>
-            <a:off x="1008102" y="1421660"/>
-            <a:ext cx="11425159" cy="3024293"/>
+            <a:off x="1097280" y="1646133"/>
+            <a:ext cx="12435840" cy="3501813"/>
           </a:xfrm>
         </p:spPr>
         <p:txBody>
           <a:bodyPr anchor="b"/>
           <a:lstStyle>
             <a:lvl1pPr algn="ctr">
-              <a:defRPr sz="7600"/>
+              <a:defRPr sz="8800"/>
             </a:lvl1pPr>
           </a:lstStyle>
           <a:p>
@@ -203,8 +203,8 @@
         </p:nvSpPr>
         <p:spPr>
           <a:xfrm>
-            <a:off x="1680171" y="4562581"/>
-            <a:ext cx="10081022" cy="2097299"/>
+            <a:off x="1828800" y="5282989"/>
+            <a:ext cx="10972800" cy="2428451"/>
           </a:xfrm>
         </p:spPr>
         <p:txBody>
@@ -212,39 +212,39 @@
           <a:lstStyle>
             <a:lvl1pPr marL="0" indent="0" algn="ctr">
               <a:buNone/>
-              <a:defRPr sz="3040"/>
+              <a:defRPr sz="3520"/>
             </a:lvl1pPr>
-            <a:lvl2pPr marL="579135" indent="0" algn="ctr">
+            <a:lvl2pPr marL="670575" indent="0" algn="ctr">
               <a:buNone/>
-              <a:defRPr sz="2533"/>
+              <a:defRPr sz="2933"/>
             </a:lvl2pPr>
-            <a:lvl3pPr marL="1158270" indent="0" algn="ctr">
+            <a:lvl3pPr marL="1341150" indent="0" algn="ctr">
               <a:buNone/>
-              <a:defRPr sz="2280"/>
+              <a:defRPr sz="2640"/>
             </a:lvl3pPr>
-            <a:lvl4pPr marL="1737406" indent="0" algn="ctr">
+            <a:lvl4pPr marL="2011726" indent="0" algn="ctr">
               <a:buNone/>
-              <a:defRPr sz="2027"/>
+              <a:defRPr sz="2347"/>
             </a:lvl4pPr>
-            <a:lvl5pPr marL="2316541" indent="0" algn="ctr">
+            <a:lvl5pPr marL="2682301" indent="0" algn="ctr">
               <a:buNone/>
-              <a:defRPr sz="2027"/>
+              <a:defRPr sz="2347"/>
             </a:lvl5pPr>
-            <a:lvl6pPr marL="2895676" indent="0" algn="ctr">
+            <a:lvl6pPr marL="3352876" indent="0" algn="ctr">
               <a:buNone/>
-              <a:defRPr sz="2027"/>
+              <a:defRPr sz="2347"/>
             </a:lvl6pPr>
-            <a:lvl7pPr marL="3474811" indent="0" algn="ctr">
+            <a:lvl7pPr marL="4023451" indent="0" algn="ctr">
               <a:buNone/>
-              <a:defRPr sz="2027"/>
+              <a:defRPr sz="2347"/>
             </a:lvl7pPr>
-            <a:lvl8pPr marL="4053947" indent="0" algn="ctr">
+            <a:lvl8pPr marL="4694027" indent="0" algn="ctr">
               <a:buNone/>
-              <a:defRPr sz="2027"/>
+              <a:defRPr sz="2347"/>
             </a:lvl8pPr>
-            <a:lvl9pPr marL="4633082" indent="0" algn="ctr">
+            <a:lvl9pPr marL="5364602" indent="0" algn="ctr">
               <a:buNone/>
-              <a:defRPr sz="2027"/>
+              <a:defRPr sz="2347"/>
             </a:lvl9pPr>
           </a:lstStyle>
           <a:p>
@@ -273,7 +273,7 @@
           <a:p>
             <a:fld id="{0EBDBFD0-E86A-4447-9327-8C79D23C0823}" type="datetimeFigureOut">
               <a:rPr lang="en-US" smtClean="0"/>
-              <a:t>8/10/2020</a:t>
+              <a:t>8/12/2020</a:t>
             </a:fld>
             <a:endParaRPr lang="en-US"/>
           </a:p>
@@ -324,7 +324,7 @@
     </p:spTree>
     <p:extLst>
       <p:ext uri="{BB962C8B-B14F-4D97-AF65-F5344CB8AC3E}">
-        <p14:creationId xmlns:p14="http://schemas.microsoft.com/office/powerpoint/2010/main" val="960762190"/>
+        <p14:creationId xmlns:p14="http://schemas.microsoft.com/office/powerpoint/2010/main" val="19497749"/>
       </p:ext>
     </p:extLst>
   </p:cSld>
@@ -443,7 +443,7 @@
           <a:p>
             <a:fld id="{0EBDBFD0-E86A-4447-9327-8C79D23C0823}" type="datetimeFigureOut">
               <a:rPr lang="en-US" smtClean="0"/>
-              <a:t>8/10/2020</a:t>
+              <a:t>8/12/2020</a:t>
             </a:fld>
             <a:endParaRPr lang="en-US"/>
           </a:p>
@@ -494,7 +494,7 @@
     </p:spTree>
     <p:extLst>
       <p:ext uri="{BB962C8B-B14F-4D97-AF65-F5344CB8AC3E}">
-        <p14:creationId xmlns:p14="http://schemas.microsoft.com/office/powerpoint/2010/main" val="921098097"/>
+        <p14:creationId xmlns:p14="http://schemas.microsoft.com/office/powerpoint/2010/main" val="645926972"/>
       </p:ext>
     </p:extLst>
   </p:cSld>
@@ -533,8 +533,8 @@
         </p:nvSpPr>
         <p:spPr>
           <a:xfrm>
-            <a:off x="9618976" y="462492"/>
-            <a:ext cx="2898294" cy="7361661"/>
+            <a:off x="10469881" y="535517"/>
+            <a:ext cx="3154680" cy="8524029"/>
           </a:xfrm>
         </p:spPr>
         <p:txBody>
@@ -561,8 +561,8 @@
         </p:nvSpPr>
         <p:spPr>
           <a:xfrm>
-            <a:off x="924094" y="462492"/>
-            <a:ext cx="8526865" cy="7361661"/>
+            <a:off x="1005841" y="535517"/>
+            <a:ext cx="9281160" cy="8524029"/>
           </a:xfrm>
         </p:spPr>
         <p:txBody>
@@ -623,7 +623,7 @@
           <a:p>
             <a:fld id="{0EBDBFD0-E86A-4447-9327-8C79D23C0823}" type="datetimeFigureOut">
               <a:rPr lang="en-US" smtClean="0"/>
-              <a:t>8/10/2020</a:t>
+              <a:t>8/12/2020</a:t>
             </a:fld>
             <a:endParaRPr lang="en-US"/>
           </a:p>
@@ -674,7 +674,7 @@
     </p:spTree>
     <p:extLst>
       <p:ext uri="{BB962C8B-B14F-4D97-AF65-F5344CB8AC3E}">
-        <p14:creationId xmlns:p14="http://schemas.microsoft.com/office/powerpoint/2010/main" val="976161422"/>
+        <p14:creationId xmlns:p14="http://schemas.microsoft.com/office/powerpoint/2010/main" val="2081840755"/>
       </p:ext>
     </p:extLst>
   </p:cSld>
@@ -793,7 +793,7 @@
           <a:p>
             <a:fld id="{0EBDBFD0-E86A-4447-9327-8C79D23C0823}" type="datetimeFigureOut">
               <a:rPr lang="en-US" smtClean="0"/>
-              <a:t>8/10/2020</a:t>
+              <a:t>8/12/2020</a:t>
             </a:fld>
             <a:endParaRPr lang="en-US"/>
           </a:p>
@@ -844,7 +844,7 @@
     </p:spTree>
     <p:extLst>
       <p:ext uri="{BB962C8B-B14F-4D97-AF65-F5344CB8AC3E}">
-        <p14:creationId xmlns:p14="http://schemas.microsoft.com/office/powerpoint/2010/main" val="4044153314"/>
+        <p14:creationId xmlns:p14="http://schemas.microsoft.com/office/powerpoint/2010/main" val="3897297982"/>
       </p:ext>
     </p:extLst>
   </p:cSld>
@@ -883,15 +883,15 @@
         </p:nvSpPr>
         <p:spPr>
           <a:xfrm>
-            <a:off x="917094" y="2165670"/>
-            <a:ext cx="11593176" cy="3613467"/>
+            <a:off x="998221" y="2507618"/>
+            <a:ext cx="12618720" cy="4184014"/>
           </a:xfrm>
         </p:spPr>
         <p:txBody>
           <a:bodyPr anchor="b"/>
           <a:lstStyle>
             <a:lvl1pPr>
-              <a:defRPr sz="7600"/>
+              <a:defRPr sz="8800"/>
             </a:lvl1pPr>
           </a:lstStyle>
           <a:p>
@@ -915,8 +915,8 @@
         </p:nvSpPr>
         <p:spPr>
           <a:xfrm>
-            <a:off x="917094" y="5813322"/>
-            <a:ext cx="11593176" cy="1900237"/>
+            <a:off x="998221" y="6731215"/>
+            <a:ext cx="12618720" cy="2200274"/>
           </a:xfrm>
         </p:spPr>
         <p:txBody>
@@ -924,15 +924,15 @@
           <a:lstStyle>
             <a:lvl1pPr marL="0" indent="0">
               <a:buNone/>
-              <a:defRPr sz="3040">
+              <a:defRPr sz="3520">
                 <a:solidFill>
                   <a:schemeClr val="tx1"/>
                 </a:solidFill>
               </a:defRPr>
             </a:lvl1pPr>
-            <a:lvl2pPr marL="579135" indent="0">
+            <a:lvl2pPr marL="670575" indent="0">
               <a:buNone/>
-              <a:defRPr sz="2533">
+              <a:defRPr sz="2933">
                 <a:solidFill>
                   <a:schemeClr val="tx1">
                     <a:tint val="75000"/>
@@ -940,9 +940,9 @@
                 </a:solidFill>
               </a:defRPr>
             </a:lvl2pPr>
-            <a:lvl3pPr marL="1158270" indent="0">
+            <a:lvl3pPr marL="1341150" indent="0">
               <a:buNone/>
-              <a:defRPr sz="2280">
+              <a:defRPr sz="2640">
                 <a:solidFill>
                   <a:schemeClr val="tx1">
                     <a:tint val="75000"/>
@@ -950,9 +950,9 @@
                 </a:solidFill>
               </a:defRPr>
             </a:lvl3pPr>
-            <a:lvl4pPr marL="1737406" indent="0">
+            <a:lvl4pPr marL="2011726" indent="0">
               <a:buNone/>
-              <a:defRPr sz="2027">
+              <a:defRPr sz="2347">
                 <a:solidFill>
                   <a:schemeClr val="tx1">
                     <a:tint val="75000"/>
@@ -960,9 +960,9 @@
                 </a:solidFill>
               </a:defRPr>
             </a:lvl4pPr>
-            <a:lvl5pPr marL="2316541" indent="0">
+            <a:lvl5pPr marL="2682301" indent="0">
               <a:buNone/>
-              <a:defRPr sz="2027">
+              <a:defRPr sz="2347">
                 <a:solidFill>
                   <a:schemeClr val="tx1">
                     <a:tint val="75000"/>
@@ -970,9 +970,9 @@
                 </a:solidFill>
               </a:defRPr>
             </a:lvl5pPr>
-            <a:lvl6pPr marL="2895676" indent="0">
+            <a:lvl6pPr marL="3352876" indent="0">
               <a:buNone/>
-              <a:defRPr sz="2027">
+              <a:defRPr sz="2347">
                 <a:solidFill>
                   <a:schemeClr val="tx1">
                     <a:tint val="75000"/>
@@ -980,9 +980,9 @@
                 </a:solidFill>
               </a:defRPr>
             </a:lvl6pPr>
-            <a:lvl7pPr marL="3474811" indent="0">
+            <a:lvl7pPr marL="4023451" indent="0">
               <a:buNone/>
-              <a:defRPr sz="2027">
+              <a:defRPr sz="2347">
                 <a:solidFill>
                   <a:schemeClr val="tx1">
                     <a:tint val="75000"/>
@@ -990,9 +990,9 @@
                 </a:solidFill>
               </a:defRPr>
             </a:lvl7pPr>
-            <a:lvl8pPr marL="4053947" indent="0">
+            <a:lvl8pPr marL="4694027" indent="0">
               <a:buNone/>
-              <a:defRPr sz="2027">
+              <a:defRPr sz="2347">
                 <a:solidFill>
                   <a:schemeClr val="tx1">
                     <a:tint val="75000"/>
@@ -1000,9 +1000,9 @@
                 </a:solidFill>
               </a:defRPr>
             </a:lvl8pPr>
-            <a:lvl9pPr marL="4633082" indent="0">
+            <a:lvl9pPr marL="5364602" indent="0">
               <a:buNone/>
-              <a:defRPr sz="2027">
+              <a:defRPr sz="2347">
                 <a:solidFill>
                   <a:schemeClr val="tx1">
                     <a:tint val="75000"/>
@@ -1037,7 +1037,7 @@
           <a:p>
             <a:fld id="{0EBDBFD0-E86A-4447-9327-8C79D23C0823}" type="datetimeFigureOut">
               <a:rPr lang="en-US" smtClean="0"/>
-              <a:t>8/10/2020</a:t>
+              <a:t>8/12/2020</a:t>
             </a:fld>
             <a:endParaRPr lang="en-US"/>
           </a:p>
@@ -1088,7 +1088,7 @@
     </p:spTree>
     <p:extLst>
       <p:ext uri="{BB962C8B-B14F-4D97-AF65-F5344CB8AC3E}">
-        <p14:creationId xmlns:p14="http://schemas.microsoft.com/office/powerpoint/2010/main" val="4219221951"/>
+        <p14:creationId xmlns:p14="http://schemas.microsoft.com/office/powerpoint/2010/main" val="367484574"/>
       </p:ext>
     </p:extLst>
   </p:cSld>
@@ -1150,8 +1150,8 @@
         </p:nvSpPr>
         <p:spPr>
           <a:xfrm>
-            <a:off x="924094" y="2312458"/>
-            <a:ext cx="5712579" cy="5511695"/>
+            <a:off x="1005840" y="2677584"/>
+            <a:ext cx="6217920" cy="6381962"/>
           </a:xfrm>
         </p:spPr>
         <p:txBody>
@@ -1207,8 +1207,8 @@
         </p:nvSpPr>
         <p:spPr>
           <a:xfrm>
-            <a:off x="6804690" y="2312458"/>
-            <a:ext cx="5712579" cy="5511695"/>
+            <a:off x="7406640" y="2677584"/>
+            <a:ext cx="6217920" cy="6381962"/>
           </a:xfrm>
         </p:spPr>
         <p:txBody>
@@ -1269,7 +1269,7 @@
           <a:p>
             <a:fld id="{0EBDBFD0-E86A-4447-9327-8C79D23C0823}" type="datetimeFigureOut">
               <a:rPr lang="en-US" smtClean="0"/>
-              <a:t>8/10/2020</a:t>
+              <a:t>8/12/2020</a:t>
             </a:fld>
             <a:endParaRPr lang="en-US"/>
           </a:p>
@@ -1320,7 +1320,7 @@
     </p:spTree>
     <p:extLst>
       <p:ext uri="{BB962C8B-B14F-4D97-AF65-F5344CB8AC3E}">
-        <p14:creationId xmlns:p14="http://schemas.microsoft.com/office/powerpoint/2010/main" val="3729986852"/>
+        <p14:creationId xmlns:p14="http://schemas.microsoft.com/office/powerpoint/2010/main" val="1420615033"/>
       </p:ext>
     </p:extLst>
   </p:cSld>
@@ -1359,8 +1359,8 @@
         </p:nvSpPr>
         <p:spPr>
           <a:xfrm>
-            <a:off x="925844" y="462494"/>
-            <a:ext cx="11593176" cy="1679046"/>
+            <a:off x="1007746" y="535519"/>
+            <a:ext cx="12618720" cy="1944159"/>
           </a:xfrm>
         </p:spPr>
         <p:txBody>
@@ -1387,8 +1387,8 @@
         </p:nvSpPr>
         <p:spPr>
           <a:xfrm>
-            <a:off x="925846" y="2129473"/>
-            <a:ext cx="5686326" cy="1043622"/>
+            <a:off x="1007747" y="2465706"/>
+            <a:ext cx="6189344" cy="1208404"/>
           </a:xfrm>
         </p:spPr>
         <p:txBody>
@@ -1396,39 +1396,39 @@
           <a:lstStyle>
             <a:lvl1pPr marL="0" indent="0">
               <a:buNone/>
-              <a:defRPr sz="3040" b="1"/>
+              <a:defRPr sz="3520" b="1"/>
             </a:lvl1pPr>
-            <a:lvl2pPr marL="579135" indent="0">
+            <a:lvl2pPr marL="670575" indent="0">
               <a:buNone/>
-              <a:defRPr sz="2533" b="1"/>
+              <a:defRPr sz="2933" b="1"/>
             </a:lvl2pPr>
-            <a:lvl3pPr marL="1158270" indent="0">
+            <a:lvl3pPr marL="1341150" indent="0">
               <a:buNone/>
-              <a:defRPr sz="2280" b="1"/>
+              <a:defRPr sz="2640" b="1"/>
             </a:lvl3pPr>
-            <a:lvl4pPr marL="1737406" indent="0">
+            <a:lvl4pPr marL="2011726" indent="0">
               <a:buNone/>
-              <a:defRPr sz="2027" b="1"/>
+              <a:defRPr sz="2347" b="1"/>
             </a:lvl4pPr>
-            <a:lvl5pPr marL="2316541" indent="0">
+            <a:lvl5pPr marL="2682301" indent="0">
               <a:buNone/>
-              <a:defRPr sz="2027" b="1"/>
+              <a:defRPr sz="2347" b="1"/>
             </a:lvl5pPr>
-            <a:lvl6pPr marL="2895676" indent="0">
+            <a:lvl6pPr marL="3352876" indent="0">
               <a:buNone/>
-              <a:defRPr sz="2027" b="1"/>
+              <a:defRPr sz="2347" b="1"/>
             </a:lvl6pPr>
-            <a:lvl7pPr marL="3474811" indent="0">
+            <a:lvl7pPr marL="4023451" indent="0">
               <a:buNone/>
-              <a:defRPr sz="2027" b="1"/>
+              <a:defRPr sz="2347" b="1"/>
             </a:lvl7pPr>
-            <a:lvl8pPr marL="4053947" indent="0">
+            <a:lvl8pPr marL="4694027" indent="0">
               <a:buNone/>
-              <a:defRPr sz="2027" b="1"/>
+              <a:defRPr sz="2347" b="1"/>
             </a:lvl8pPr>
-            <a:lvl9pPr marL="4633082" indent="0">
+            <a:lvl9pPr marL="5364602" indent="0">
               <a:buNone/>
-              <a:defRPr sz="2027" b="1"/>
+              <a:defRPr sz="2347" b="1"/>
             </a:lvl9pPr>
           </a:lstStyle>
           <a:p>
@@ -1452,8 +1452,8 @@
         </p:nvSpPr>
         <p:spPr>
           <a:xfrm>
-            <a:off x="925846" y="3173095"/>
-            <a:ext cx="5686326" cy="4667145"/>
+            <a:off x="1007747" y="3674110"/>
+            <a:ext cx="6189344" cy="5404062"/>
           </a:xfrm>
         </p:spPr>
         <p:txBody>
@@ -1509,8 +1509,8 @@
         </p:nvSpPr>
         <p:spPr>
           <a:xfrm>
-            <a:off x="6804691" y="2129473"/>
-            <a:ext cx="5714330" cy="1043622"/>
+            <a:off x="7406641" y="2465706"/>
+            <a:ext cx="6219826" cy="1208404"/>
           </a:xfrm>
         </p:spPr>
         <p:txBody>
@@ -1518,39 +1518,39 @@
           <a:lstStyle>
             <a:lvl1pPr marL="0" indent="0">
               <a:buNone/>
-              <a:defRPr sz="3040" b="1"/>
+              <a:defRPr sz="3520" b="1"/>
             </a:lvl1pPr>
-            <a:lvl2pPr marL="579135" indent="0">
+            <a:lvl2pPr marL="670575" indent="0">
               <a:buNone/>
-              <a:defRPr sz="2533" b="1"/>
+              <a:defRPr sz="2933" b="1"/>
             </a:lvl2pPr>
-            <a:lvl3pPr marL="1158270" indent="0">
+            <a:lvl3pPr marL="1341150" indent="0">
               <a:buNone/>
-              <a:defRPr sz="2280" b="1"/>
+              <a:defRPr sz="2640" b="1"/>
             </a:lvl3pPr>
-            <a:lvl4pPr marL="1737406" indent="0">
+            <a:lvl4pPr marL="2011726" indent="0">
               <a:buNone/>
-              <a:defRPr sz="2027" b="1"/>
+              <a:defRPr sz="2347" b="1"/>
             </a:lvl4pPr>
-            <a:lvl5pPr marL="2316541" indent="0">
+            <a:lvl5pPr marL="2682301" indent="0">
               <a:buNone/>
-              <a:defRPr sz="2027" b="1"/>
+              <a:defRPr sz="2347" b="1"/>
             </a:lvl5pPr>
-            <a:lvl6pPr marL="2895676" indent="0">
+            <a:lvl6pPr marL="3352876" indent="0">
               <a:buNone/>
-              <a:defRPr sz="2027" b="1"/>
+              <a:defRPr sz="2347" b="1"/>
             </a:lvl6pPr>
-            <a:lvl7pPr marL="3474811" indent="0">
+            <a:lvl7pPr marL="4023451" indent="0">
               <a:buNone/>
-              <a:defRPr sz="2027" b="1"/>
+              <a:defRPr sz="2347" b="1"/>
             </a:lvl7pPr>
-            <a:lvl8pPr marL="4053947" indent="0">
+            <a:lvl8pPr marL="4694027" indent="0">
               <a:buNone/>
-              <a:defRPr sz="2027" b="1"/>
+              <a:defRPr sz="2347" b="1"/>
             </a:lvl8pPr>
-            <a:lvl9pPr marL="4633082" indent="0">
+            <a:lvl9pPr marL="5364602" indent="0">
               <a:buNone/>
-              <a:defRPr sz="2027" b="1"/>
+              <a:defRPr sz="2347" b="1"/>
             </a:lvl9pPr>
           </a:lstStyle>
           <a:p>
@@ -1574,8 +1574,8 @@
         </p:nvSpPr>
         <p:spPr>
           <a:xfrm>
-            <a:off x="6804691" y="3173095"/>
-            <a:ext cx="5714330" cy="4667145"/>
+            <a:off x="7406641" y="3674110"/>
+            <a:ext cx="6219826" cy="5404062"/>
           </a:xfrm>
         </p:spPr>
         <p:txBody>
@@ -1636,7 +1636,7 @@
           <a:p>
             <a:fld id="{0EBDBFD0-E86A-4447-9327-8C79D23C0823}" type="datetimeFigureOut">
               <a:rPr lang="en-US" smtClean="0"/>
-              <a:t>8/10/2020</a:t>
+              <a:t>8/12/2020</a:t>
             </a:fld>
             <a:endParaRPr lang="en-US"/>
           </a:p>
@@ -1687,7 +1687,7 @@
     </p:spTree>
     <p:extLst>
       <p:ext uri="{BB962C8B-B14F-4D97-AF65-F5344CB8AC3E}">
-        <p14:creationId xmlns:p14="http://schemas.microsoft.com/office/powerpoint/2010/main" val="1256934933"/>
+        <p14:creationId xmlns:p14="http://schemas.microsoft.com/office/powerpoint/2010/main" val="137102661"/>
       </p:ext>
     </p:extLst>
   </p:cSld>
@@ -1754,7 +1754,7 @@
           <a:p>
             <a:fld id="{0EBDBFD0-E86A-4447-9327-8C79D23C0823}" type="datetimeFigureOut">
               <a:rPr lang="en-US" smtClean="0"/>
-              <a:t>8/10/2020</a:t>
+              <a:t>8/12/2020</a:t>
             </a:fld>
             <a:endParaRPr lang="en-US"/>
           </a:p>
@@ -1805,7 +1805,7 @@
     </p:spTree>
     <p:extLst>
       <p:ext uri="{BB962C8B-B14F-4D97-AF65-F5344CB8AC3E}">
-        <p14:creationId xmlns:p14="http://schemas.microsoft.com/office/powerpoint/2010/main" val="2566584717"/>
+        <p14:creationId xmlns:p14="http://schemas.microsoft.com/office/powerpoint/2010/main" val="1769007957"/>
       </p:ext>
     </p:extLst>
   </p:cSld>
@@ -1849,7 +1849,7 @@
           <a:p>
             <a:fld id="{0EBDBFD0-E86A-4447-9327-8C79D23C0823}" type="datetimeFigureOut">
               <a:rPr lang="en-US" smtClean="0"/>
-              <a:t>8/10/2020</a:t>
+              <a:t>8/12/2020</a:t>
             </a:fld>
             <a:endParaRPr lang="en-US"/>
           </a:p>
@@ -1900,7 +1900,7 @@
     </p:spTree>
     <p:extLst>
       <p:ext uri="{BB962C8B-B14F-4D97-AF65-F5344CB8AC3E}">
-        <p14:creationId xmlns:p14="http://schemas.microsoft.com/office/powerpoint/2010/main" val="241234580"/>
+        <p14:creationId xmlns:p14="http://schemas.microsoft.com/office/powerpoint/2010/main" val="2546012171"/>
       </p:ext>
     </p:extLst>
   </p:cSld>
@@ -1939,15 +1939,15 @@
         </p:nvSpPr>
         <p:spPr>
           <a:xfrm>
-            <a:off x="925845" y="579120"/>
-            <a:ext cx="4335189" cy="2026920"/>
+            <a:off x="1007746" y="670560"/>
+            <a:ext cx="4718685" cy="2346960"/>
           </a:xfrm>
         </p:spPr>
         <p:txBody>
           <a:bodyPr anchor="b"/>
           <a:lstStyle>
             <a:lvl1pPr>
-              <a:defRPr sz="4053"/>
+              <a:defRPr sz="4693"/>
             </a:lvl1pPr>
           </a:lstStyle>
           <a:p>
@@ -1971,39 +1971,39 @@
         </p:nvSpPr>
         <p:spPr>
           <a:xfrm>
-            <a:off x="5714330" y="1250740"/>
-            <a:ext cx="6804690" cy="6173258"/>
+            <a:off x="6219826" y="1448226"/>
+            <a:ext cx="7406640" cy="7147983"/>
           </a:xfrm>
         </p:spPr>
         <p:txBody>
           <a:bodyPr/>
           <a:lstStyle>
             <a:lvl1pPr>
-              <a:defRPr sz="4053"/>
+              <a:defRPr sz="4693"/>
             </a:lvl1pPr>
             <a:lvl2pPr>
-              <a:defRPr sz="3547"/>
+              <a:defRPr sz="4107"/>
             </a:lvl2pPr>
             <a:lvl3pPr>
-              <a:defRPr sz="3040"/>
+              <a:defRPr sz="3520"/>
             </a:lvl3pPr>
             <a:lvl4pPr>
-              <a:defRPr sz="2533"/>
+              <a:defRPr sz="2933"/>
             </a:lvl4pPr>
             <a:lvl5pPr>
-              <a:defRPr sz="2533"/>
+              <a:defRPr sz="2933"/>
             </a:lvl5pPr>
             <a:lvl6pPr>
-              <a:defRPr sz="2533"/>
+              <a:defRPr sz="2933"/>
             </a:lvl6pPr>
             <a:lvl7pPr>
-              <a:defRPr sz="2533"/>
+              <a:defRPr sz="2933"/>
             </a:lvl7pPr>
             <a:lvl8pPr>
-              <a:defRPr sz="2533"/>
+              <a:defRPr sz="2933"/>
             </a:lvl8pPr>
             <a:lvl9pPr>
-              <a:defRPr sz="2533"/>
+              <a:defRPr sz="2933"/>
             </a:lvl9pPr>
           </a:lstStyle>
           <a:p>
@@ -2056,8 +2056,8 @@
         </p:nvSpPr>
         <p:spPr>
           <a:xfrm>
-            <a:off x="925845" y="2606040"/>
-            <a:ext cx="4335189" cy="4828011"/>
+            <a:off x="1007746" y="3017520"/>
+            <a:ext cx="4718685" cy="5590329"/>
           </a:xfrm>
         </p:spPr>
         <p:txBody>
@@ -2065,39 +2065,39 @@
           <a:lstStyle>
             <a:lvl1pPr marL="0" indent="0">
               <a:buNone/>
-              <a:defRPr sz="2027"/>
+              <a:defRPr sz="2347"/>
             </a:lvl1pPr>
-            <a:lvl2pPr marL="579135" indent="0">
+            <a:lvl2pPr marL="670575" indent="0">
               <a:buNone/>
-              <a:defRPr sz="1773"/>
+              <a:defRPr sz="2053"/>
             </a:lvl2pPr>
-            <a:lvl3pPr marL="1158270" indent="0">
+            <a:lvl3pPr marL="1341150" indent="0">
               <a:buNone/>
-              <a:defRPr sz="1520"/>
+              <a:defRPr sz="1760"/>
             </a:lvl3pPr>
-            <a:lvl4pPr marL="1737406" indent="0">
+            <a:lvl4pPr marL="2011726" indent="0">
               <a:buNone/>
-              <a:defRPr sz="1267"/>
+              <a:defRPr sz="1467"/>
             </a:lvl4pPr>
-            <a:lvl5pPr marL="2316541" indent="0">
+            <a:lvl5pPr marL="2682301" indent="0">
               <a:buNone/>
-              <a:defRPr sz="1267"/>
+              <a:defRPr sz="1467"/>
             </a:lvl5pPr>
-            <a:lvl6pPr marL="2895676" indent="0">
+            <a:lvl6pPr marL="3352876" indent="0">
               <a:buNone/>
-              <a:defRPr sz="1267"/>
+              <a:defRPr sz="1467"/>
             </a:lvl6pPr>
-            <a:lvl7pPr marL="3474811" indent="0">
+            <a:lvl7pPr marL="4023451" indent="0">
               <a:buNone/>
-              <a:defRPr sz="1267"/>
+              <a:defRPr sz="1467"/>
             </a:lvl7pPr>
-            <a:lvl8pPr marL="4053947" indent="0">
+            <a:lvl8pPr marL="4694027" indent="0">
               <a:buNone/>
-              <a:defRPr sz="1267"/>
+              <a:defRPr sz="1467"/>
             </a:lvl8pPr>
-            <a:lvl9pPr marL="4633082" indent="0">
+            <a:lvl9pPr marL="5364602" indent="0">
               <a:buNone/>
-              <a:defRPr sz="1267"/>
+              <a:defRPr sz="1467"/>
             </a:lvl9pPr>
           </a:lstStyle>
           <a:p>
@@ -2126,7 +2126,7 @@
           <a:p>
             <a:fld id="{0EBDBFD0-E86A-4447-9327-8C79D23C0823}" type="datetimeFigureOut">
               <a:rPr lang="en-US" smtClean="0"/>
-              <a:t>8/10/2020</a:t>
+              <a:t>8/12/2020</a:t>
             </a:fld>
             <a:endParaRPr lang="en-US"/>
           </a:p>
@@ -2177,7 +2177,7 @@
     </p:spTree>
     <p:extLst>
       <p:ext uri="{BB962C8B-B14F-4D97-AF65-F5344CB8AC3E}">
-        <p14:creationId xmlns:p14="http://schemas.microsoft.com/office/powerpoint/2010/main" val="3493868992"/>
+        <p14:creationId xmlns:p14="http://schemas.microsoft.com/office/powerpoint/2010/main" val="3284202997"/>
       </p:ext>
     </p:extLst>
   </p:cSld>
@@ -2216,15 +2216,15 @@
         </p:nvSpPr>
         <p:spPr>
           <a:xfrm>
-            <a:off x="925845" y="579120"/>
-            <a:ext cx="4335189" cy="2026920"/>
+            <a:off x="1007746" y="670560"/>
+            <a:ext cx="4718685" cy="2346960"/>
           </a:xfrm>
         </p:spPr>
         <p:txBody>
           <a:bodyPr anchor="b"/>
           <a:lstStyle>
             <a:lvl1pPr>
-              <a:defRPr sz="4053"/>
+              <a:defRPr sz="4693"/>
             </a:lvl1pPr>
           </a:lstStyle>
           <a:p>
@@ -2248,8 +2248,8 @@
         </p:nvSpPr>
         <p:spPr>
           <a:xfrm>
-            <a:off x="5714330" y="1250740"/>
-            <a:ext cx="6804690" cy="6173258"/>
+            <a:off x="6219826" y="1448226"/>
+            <a:ext cx="7406640" cy="7147983"/>
           </a:xfrm>
         </p:spPr>
         <p:txBody>
@@ -2257,39 +2257,39 @@
           <a:lstStyle>
             <a:lvl1pPr marL="0" indent="0">
               <a:buNone/>
-              <a:defRPr sz="4053"/>
+              <a:defRPr sz="4693"/>
             </a:lvl1pPr>
-            <a:lvl2pPr marL="579135" indent="0">
+            <a:lvl2pPr marL="670575" indent="0">
               <a:buNone/>
-              <a:defRPr sz="3547"/>
+              <a:defRPr sz="4107"/>
             </a:lvl2pPr>
-            <a:lvl3pPr marL="1158270" indent="0">
+            <a:lvl3pPr marL="1341150" indent="0">
               <a:buNone/>
-              <a:defRPr sz="3040"/>
+              <a:defRPr sz="3520"/>
             </a:lvl3pPr>
-            <a:lvl4pPr marL="1737406" indent="0">
+            <a:lvl4pPr marL="2011726" indent="0">
               <a:buNone/>
-              <a:defRPr sz="2533"/>
+              <a:defRPr sz="2933"/>
             </a:lvl4pPr>
-            <a:lvl5pPr marL="2316541" indent="0">
+            <a:lvl5pPr marL="2682301" indent="0">
               <a:buNone/>
-              <a:defRPr sz="2533"/>
+              <a:defRPr sz="2933"/>
             </a:lvl5pPr>
-            <a:lvl6pPr marL="2895676" indent="0">
+            <a:lvl6pPr marL="3352876" indent="0">
               <a:buNone/>
-              <a:defRPr sz="2533"/>
+              <a:defRPr sz="2933"/>
             </a:lvl6pPr>
-            <a:lvl7pPr marL="3474811" indent="0">
+            <a:lvl7pPr marL="4023451" indent="0">
               <a:buNone/>
-              <a:defRPr sz="2533"/>
+              <a:defRPr sz="2933"/>
             </a:lvl7pPr>
-            <a:lvl8pPr marL="4053947" indent="0">
+            <a:lvl8pPr marL="4694027" indent="0">
               <a:buNone/>
-              <a:defRPr sz="2533"/>
+              <a:defRPr sz="2933"/>
             </a:lvl8pPr>
-            <a:lvl9pPr marL="4633082" indent="0">
+            <a:lvl9pPr marL="5364602" indent="0">
               <a:buNone/>
-              <a:defRPr sz="2533"/>
+              <a:defRPr sz="2933"/>
             </a:lvl9pPr>
           </a:lstStyle>
           <a:p>
@@ -2313,8 +2313,8 @@
         </p:nvSpPr>
         <p:spPr>
           <a:xfrm>
-            <a:off x="925845" y="2606040"/>
-            <a:ext cx="4335189" cy="4828011"/>
+            <a:off x="1007746" y="3017520"/>
+            <a:ext cx="4718685" cy="5590329"/>
           </a:xfrm>
         </p:spPr>
         <p:txBody>
@@ -2322,39 +2322,39 @@
           <a:lstStyle>
             <a:lvl1pPr marL="0" indent="0">
               <a:buNone/>
-              <a:defRPr sz="2027"/>
+              <a:defRPr sz="2347"/>
             </a:lvl1pPr>
-            <a:lvl2pPr marL="579135" indent="0">
+            <a:lvl2pPr marL="670575" indent="0">
               <a:buNone/>
-              <a:defRPr sz="1773"/>
+              <a:defRPr sz="2053"/>
             </a:lvl2pPr>
-            <a:lvl3pPr marL="1158270" indent="0">
+            <a:lvl3pPr marL="1341150" indent="0">
               <a:buNone/>
-              <a:defRPr sz="1520"/>
+              <a:defRPr sz="1760"/>
             </a:lvl3pPr>
-            <a:lvl4pPr marL="1737406" indent="0">
+            <a:lvl4pPr marL="2011726" indent="0">
               <a:buNone/>
-              <a:defRPr sz="1267"/>
+              <a:defRPr sz="1467"/>
             </a:lvl4pPr>
-            <a:lvl5pPr marL="2316541" indent="0">
+            <a:lvl5pPr marL="2682301" indent="0">
               <a:buNone/>
-              <a:defRPr sz="1267"/>
+              <a:defRPr sz="1467"/>
             </a:lvl5pPr>
-            <a:lvl6pPr marL="2895676" indent="0">
+            <a:lvl6pPr marL="3352876" indent="0">
               <a:buNone/>
-              <a:defRPr sz="1267"/>
+              <a:defRPr sz="1467"/>
             </a:lvl6pPr>
-            <a:lvl7pPr marL="3474811" indent="0">
+            <a:lvl7pPr marL="4023451" indent="0">
               <a:buNone/>
-              <a:defRPr sz="1267"/>
+              <a:defRPr sz="1467"/>
             </a:lvl7pPr>
-            <a:lvl8pPr marL="4053947" indent="0">
+            <a:lvl8pPr marL="4694027" indent="0">
               <a:buNone/>
-              <a:defRPr sz="1267"/>
+              <a:defRPr sz="1467"/>
             </a:lvl8pPr>
-            <a:lvl9pPr marL="4633082" indent="0">
+            <a:lvl9pPr marL="5364602" indent="0">
               <a:buNone/>
-              <a:defRPr sz="1267"/>
+              <a:defRPr sz="1467"/>
             </a:lvl9pPr>
           </a:lstStyle>
           <a:p>
@@ -2383,7 +2383,7 @@
           <a:p>
             <a:fld id="{0EBDBFD0-E86A-4447-9327-8C79D23C0823}" type="datetimeFigureOut">
               <a:rPr lang="en-US" smtClean="0"/>
-              <a:t>8/10/2020</a:t>
+              <a:t>8/12/2020</a:t>
             </a:fld>
             <a:endParaRPr lang="en-US"/>
           </a:p>
@@ -2434,7 +2434,7 @@
     </p:spTree>
     <p:extLst>
       <p:ext uri="{BB962C8B-B14F-4D97-AF65-F5344CB8AC3E}">
-        <p14:creationId xmlns:p14="http://schemas.microsoft.com/office/powerpoint/2010/main" val="4236133247"/>
+        <p14:creationId xmlns:p14="http://schemas.microsoft.com/office/powerpoint/2010/main" val="1009657595"/>
       </p:ext>
     </p:extLst>
   </p:cSld>
@@ -2481,8 +2481,8 @@
         </p:nvSpPr>
         <p:spPr>
           <a:xfrm>
-            <a:off x="924094" y="462494"/>
-            <a:ext cx="11593176" cy="1679046"/>
+            <a:off x="1005840" y="535519"/>
+            <a:ext cx="12618720" cy="1944159"/>
           </a:xfrm>
           <a:prstGeom prst="rect">
             <a:avLst/>
@@ -2514,8 +2514,8 @@
         </p:nvSpPr>
         <p:spPr>
           <a:xfrm>
-            <a:off x="924094" y="2312458"/>
-            <a:ext cx="11593176" cy="5511695"/>
+            <a:off x="1005840" y="2677584"/>
+            <a:ext cx="12618720" cy="6381962"/>
           </a:xfrm>
           <a:prstGeom prst="rect">
             <a:avLst/>
@@ -2576,8 +2576,8 @@
         </p:nvSpPr>
         <p:spPr>
           <a:xfrm>
-            <a:off x="924094" y="8051378"/>
-            <a:ext cx="3024307" cy="462492"/>
+            <a:off x="1005840" y="9322649"/>
+            <a:ext cx="3291840" cy="535517"/>
           </a:xfrm>
           <a:prstGeom prst="rect">
             <a:avLst/>
@@ -2587,7 +2587,7 @@
           <a:bodyPr vert="horz" lIns="91440" tIns="45720" rIns="91440" bIns="45720" rtlCol="0" anchor="ctr"/>
           <a:lstStyle>
             <a:lvl1pPr algn="l">
-              <a:defRPr sz="1520">
+              <a:defRPr sz="1760">
                 <a:solidFill>
                   <a:schemeClr val="tx1">
                     <a:tint val="75000"/>
@@ -2599,7 +2599,7 @@
           <a:p>
             <a:fld id="{0EBDBFD0-E86A-4447-9327-8C79D23C0823}" type="datetimeFigureOut">
               <a:rPr lang="en-US" smtClean="0"/>
-              <a:t>8/10/2020</a:t>
+              <a:t>8/12/2020</a:t>
             </a:fld>
             <a:endParaRPr lang="en-US"/>
           </a:p>
@@ -2617,8 +2617,8 @@
         </p:nvSpPr>
         <p:spPr>
           <a:xfrm>
-            <a:off x="4452452" y="8051378"/>
-            <a:ext cx="4536460" cy="462492"/>
+            <a:off x="4846320" y="9322649"/>
+            <a:ext cx="4937760" cy="535517"/>
           </a:xfrm>
           <a:prstGeom prst="rect">
             <a:avLst/>
@@ -2628,7 +2628,7 @@
           <a:bodyPr vert="horz" lIns="91440" tIns="45720" rIns="91440" bIns="45720" rtlCol="0" anchor="ctr"/>
           <a:lstStyle>
             <a:lvl1pPr algn="ctr">
-              <a:defRPr sz="1520">
+              <a:defRPr sz="1760">
                 <a:solidFill>
                   <a:schemeClr val="tx1">
                     <a:tint val="75000"/>
@@ -2654,8 +2654,8 @@
         </p:nvSpPr>
         <p:spPr>
           <a:xfrm>
-            <a:off x="9492962" y="8051378"/>
-            <a:ext cx="3024307" cy="462492"/>
+            <a:off x="10332720" y="9322649"/>
+            <a:ext cx="3291840" cy="535517"/>
           </a:xfrm>
           <a:prstGeom prst="rect">
             <a:avLst/>
@@ -2665,7 +2665,7 @@
           <a:bodyPr vert="horz" lIns="91440" tIns="45720" rIns="91440" bIns="45720" rtlCol="0" anchor="ctr"/>
           <a:lstStyle>
             <a:lvl1pPr algn="r">
-              <a:defRPr sz="1520">
+              <a:defRPr sz="1760">
                 <a:solidFill>
                   <a:schemeClr val="tx1">
                     <a:tint val="75000"/>
@@ -2686,27 +2686,27 @@
     </p:spTree>
     <p:extLst>
       <p:ext uri="{BB962C8B-B14F-4D97-AF65-F5344CB8AC3E}">
-        <p14:creationId xmlns:p14="http://schemas.microsoft.com/office/powerpoint/2010/main" val="3891273277"/>
+        <p14:creationId xmlns:p14="http://schemas.microsoft.com/office/powerpoint/2010/main" val="1031075038"/>
       </p:ext>
     </p:extLst>
   </p:cSld>
   <p:clrMap bg1="lt1" tx1="dk1" bg2="lt2" tx2="dk2" accent1="accent1" accent2="accent2" accent3="accent3" accent4="accent4" accent5="accent5" accent6="accent6" hlink="hlink" folHlink="folHlink"/>
   <p:sldLayoutIdLst>
-    <p:sldLayoutId id="2147483661" r:id="rId1"/>
-    <p:sldLayoutId id="2147483662" r:id="rId2"/>
-    <p:sldLayoutId id="2147483663" r:id="rId3"/>
-    <p:sldLayoutId id="2147483664" r:id="rId4"/>
-    <p:sldLayoutId id="2147483665" r:id="rId5"/>
-    <p:sldLayoutId id="2147483666" r:id="rId6"/>
-    <p:sldLayoutId id="2147483667" r:id="rId7"/>
-    <p:sldLayoutId id="2147483668" r:id="rId8"/>
-    <p:sldLayoutId id="2147483669" r:id="rId9"/>
-    <p:sldLayoutId id="2147483670" r:id="rId10"/>
-    <p:sldLayoutId id="2147483671" r:id="rId11"/>
+    <p:sldLayoutId id="2147483673" r:id="rId1"/>
+    <p:sldLayoutId id="2147483674" r:id="rId2"/>
+    <p:sldLayoutId id="2147483675" r:id="rId3"/>
+    <p:sldLayoutId id="2147483676" r:id="rId4"/>
+    <p:sldLayoutId id="2147483677" r:id="rId5"/>
+    <p:sldLayoutId id="2147483678" r:id="rId6"/>
+    <p:sldLayoutId id="2147483679" r:id="rId7"/>
+    <p:sldLayoutId id="2147483680" r:id="rId8"/>
+    <p:sldLayoutId id="2147483681" r:id="rId9"/>
+    <p:sldLayoutId id="2147483682" r:id="rId10"/>
+    <p:sldLayoutId id="2147483683" r:id="rId11"/>
   </p:sldLayoutIdLst>
   <p:txStyles>
     <p:titleStyle>
-      <a:lvl1pPr algn="l" defTabSz="1158270" rtl="0" eaLnBrk="1" latinLnBrk="0" hangingPunct="1">
+      <a:lvl1pPr algn="l" defTabSz="1341150" rtl="0" eaLnBrk="1" latinLnBrk="0" hangingPunct="1">
         <a:lnSpc>
           <a:spcPct val="90000"/>
         </a:lnSpc>
@@ -2714,7 +2714,7 @@
           <a:spcPct val="0"/>
         </a:spcBef>
         <a:buNone/>
-        <a:defRPr sz="5573" kern="1200">
+        <a:defRPr sz="6453" kern="1200">
           <a:solidFill>
             <a:schemeClr val="tx1"/>
           </a:solidFill>
@@ -2725,16 +2725,16 @@
       </a:lvl1pPr>
     </p:titleStyle>
     <p:bodyStyle>
-      <a:lvl1pPr marL="289568" indent="-289568" algn="l" defTabSz="1158270" rtl="0" eaLnBrk="1" latinLnBrk="0" hangingPunct="1">
+      <a:lvl1pPr marL="335288" indent="-335288" algn="l" defTabSz="1341150" rtl="0" eaLnBrk="1" latinLnBrk="0" hangingPunct="1">
         <a:lnSpc>
           <a:spcPct val="90000"/>
         </a:lnSpc>
         <a:spcBef>
-          <a:spcPts val="1267"/>
+          <a:spcPts val="1467"/>
         </a:spcBef>
         <a:buFont typeface="Arial" panose="020B0604020202020204" pitchFamily="34" charset="0"/>
         <a:buChar char="•"/>
-        <a:defRPr sz="3547" kern="1200">
+        <a:defRPr sz="4107" kern="1200">
           <a:solidFill>
             <a:schemeClr val="tx1"/>
           </a:solidFill>
@@ -2743,16 +2743,16 @@
           <a:cs typeface="+mn-cs"/>
         </a:defRPr>
       </a:lvl1pPr>
-      <a:lvl2pPr marL="868703" indent="-289568" algn="l" defTabSz="1158270" rtl="0" eaLnBrk="1" latinLnBrk="0" hangingPunct="1">
+      <a:lvl2pPr marL="1005863" indent="-335288" algn="l" defTabSz="1341150" rtl="0" eaLnBrk="1" latinLnBrk="0" hangingPunct="1">
         <a:lnSpc>
           <a:spcPct val="90000"/>
         </a:lnSpc>
         <a:spcBef>
-          <a:spcPts val="633"/>
+          <a:spcPts val="733"/>
         </a:spcBef>
         <a:buFont typeface="Arial" panose="020B0604020202020204" pitchFamily="34" charset="0"/>
         <a:buChar char="•"/>
-        <a:defRPr sz="3040" kern="1200">
+        <a:defRPr sz="3520" kern="1200">
           <a:solidFill>
             <a:schemeClr val="tx1"/>
           </a:solidFill>
@@ -2761,16 +2761,16 @@
           <a:cs typeface="+mn-cs"/>
         </a:defRPr>
       </a:lvl2pPr>
-      <a:lvl3pPr marL="1447838" indent="-289568" algn="l" defTabSz="1158270" rtl="0" eaLnBrk="1" latinLnBrk="0" hangingPunct="1">
+      <a:lvl3pPr marL="1676438" indent="-335288" algn="l" defTabSz="1341150" rtl="0" eaLnBrk="1" latinLnBrk="0" hangingPunct="1">
         <a:lnSpc>
           <a:spcPct val="90000"/>
         </a:lnSpc>
         <a:spcBef>
-          <a:spcPts val="633"/>
+          <a:spcPts val="733"/>
         </a:spcBef>
         <a:buFont typeface="Arial" panose="020B0604020202020204" pitchFamily="34" charset="0"/>
         <a:buChar char="•"/>
-        <a:defRPr sz="2533" kern="1200">
+        <a:defRPr sz="2933" kern="1200">
           <a:solidFill>
             <a:schemeClr val="tx1"/>
           </a:solidFill>
@@ -2779,16 +2779,16 @@
           <a:cs typeface="+mn-cs"/>
         </a:defRPr>
       </a:lvl3pPr>
-      <a:lvl4pPr marL="2026973" indent="-289568" algn="l" defTabSz="1158270" rtl="0" eaLnBrk="1" latinLnBrk="0" hangingPunct="1">
+      <a:lvl4pPr marL="2347013" indent="-335288" algn="l" defTabSz="1341150" rtl="0" eaLnBrk="1" latinLnBrk="0" hangingPunct="1">
         <a:lnSpc>
           <a:spcPct val="90000"/>
         </a:lnSpc>
         <a:spcBef>
-          <a:spcPts val="633"/>
+          <a:spcPts val="733"/>
         </a:spcBef>
         <a:buFont typeface="Arial" panose="020B0604020202020204" pitchFamily="34" charset="0"/>
         <a:buChar char="•"/>
-        <a:defRPr sz="2280" kern="1200">
+        <a:defRPr sz="2640" kern="1200">
           <a:solidFill>
             <a:schemeClr val="tx1"/>
           </a:solidFill>
@@ -2797,16 +2797,16 @@
           <a:cs typeface="+mn-cs"/>
         </a:defRPr>
       </a:lvl4pPr>
-      <a:lvl5pPr marL="2606109" indent="-289568" algn="l" defTabSz="1158270" rtl="0" eaLnBrk="1" latinLnBrk="0" hangingPunct="1">
+      <a:lvl5pPr marL="3017589" indent="-335288" algn="l" defTabSz="1341150" rtl="0" eaLnBrk="1" latinLnBrk="0" hangingPunct="1">
         <a:lnSpc>
           <a:spcPct val="90000"/>
         </a:lnSpc>
         <a:spcBef>
-          <a:spcPts val="633"/>
+          <a:spcPts val="733"/>
         </a:spcBef>
         <a:buFont typeface="Arial" panose="020B0604020202020204" pitchFamily="34" charset="0"/>
         <a:buChar char="•"/>
-        <a:defRPr sz="2280" kern="1200">
+        <a:defRPr sz="2640" kern="1200">
           <a:solidFill>
             <a:schemeClr val="tx1"/>
           </a:solidFill>
@@ -2815,16 +2815,16 @@
           <a:cs typeface="+mn-cs"/>
         </a:defRPr>
       </a:lvl5pPr>
-      <a:lvl6pPr marL="3185244" indent="-289568" algn="l" defTabSz="1158270" rtl="0" eaLnBrk="1" latinLnBrk="0" hangingPunct="1">
+      <a:lvl6pPr marL="3688164" indent="-335288" algn="l" defTabSz="1341150" rtl="0" eaLnBrk="1" latinLnBrk="0" hangingPunct="1">
         <a:lnSpc>
           <a:spcPct val="90000"/>
         </a:lnSpc>
         <a:spcBef>
-          <a:spcPts val="633"/>
+          <a:spcPts val="733"/>
         </a:spcBef>
         <a:buFont typeface="Arial" panose="020B0604020202020204" pitchFamily="34" charset="0"/>
         <a:buChar char="•"/>
-        <a:defRPr sz="2280" kern="1200">
+        <a:defRPr sz="2640" kern="1200">
           <a:solidFill>
             <a:schemeClr val="tx1"/>
           </a:solidFill>
@@ -2833,16 +2833,16 @@
           <a:cs typeface="+mn-cs"/>
         </a:defRPr>
       </a:lvl6pPr>
-      <a:lvl7pPr marL="3764379" indent="-289568" algn="l" defTabSz="1158270" rtl="0" eaLnBrk="1" latinLnBrk="0" hangingPunct="1">
+      <a:lvl7pPr marL="4358739" indent="-335288" algn="l" defTabSz="1341150" rtl="0" eaLnBrk="1" latinLnBrk="0" hangingPunct="1">
         <a:lnSpc>
           <a:spcPct val="90000"/>
         </a:lnSpc>
         <a:spcBef>
-          <a:spcPts val="633"/>
+          <a:spcPts val="733"/>
         </a:spcBef>
         <a:buFont typeface="Arial" panose="020B0604020202020204" pitchFamily="34" charset="0"/>
         <a:buChar char="•"/>
-        <a:defRPr sz="2280" kern="1200">
+        <a:defRPr sz="2640" kern="1200">
           <a:solidFill>
             <a:schemeClr val="tx1"/>
           </a:solidFill>
@@ -2851,16 +2851,16 @@
           <a:cs typeface="+mn-cs"/>
         </a:defRPr>
       </a:lvl7pPr>
-      <a:lvl8pPr marL="4343514" indent="-289568" algn="l" defTabSz="1158270" rtl="0" eaLnBrk="1" latinLnBrk="0" hangingPunct="1">
+      <a:lvl8pPr marL="5029314" indent="-335288" algn="l" defTabSz="1341150" rtl="0" eaLnBrk="1" latinLnBrk="0" hangingPunct="1">
         <a:lnSpc>
           <a:spcPct val="90000"/>
         </a:lnSpc>
         <a:spcBef>
-          <a:spcPts val="633"/>
+          <a:spcPts val="733"/>
         </a:spcBef>
         <a:buFont typeface="Arial" panose="020B0604020202020204" pitchFamily="34" charset="0"/>
         <a:buChar char="•"/>
-        <a:defRPr sz="2280" kern="1200">
+        <a:defRPr sz="2640" kern="1200">
           <a:solidFill>
             <a:schemeClr val="tx1"/>
           </a:solidFill>
@@ -2869,16 +2869,16 @@
           <a:cs typeface="+mn-cs"/>
         </a:defRPr>
       </a:lvl8pPr>
-      <a:lvl9pPr marL="4922650" indent="-289568" algn="l" defTabSz="1158270" rtl="0" eaLnBrk="1" latinLnBrk="0" hangingPunct="1">
+      <a:lvl9pPr marL="5699890" indent="-335288" algn="l" defTabSz="1341150" rtl="0" eaLnBrk="1" latinLnBrk="0" hangingPunct="1">
         <a:lnSpc>
           <a:spcPct val="90000"/>
         </a:lnSpc>
         <a:spcBef>
-          <a:spcPts val="633"/>
+          <a:spcPts val="733"/>
         </a:spcBef>
         <a:buFont typeface="Arial" panose="020B0604020202020204" pitchFamily="34" charset="0"/>
         <a:buChar char="•"/>
-        <a:defRPr sz="2280" kern="1200">
+        <a:defRPr sz="2640" kern="1200">
           <a:solidFill>
             <a:schemeClr val="tx1"/>
           </a:solidFill>
@@ -2892,8 +2892,8 @@
       <a:defPPr>
         <a:defRPr lang="en-US"/>
       </a:defPPr>
-      <a:lvl1pPr marL="0" algn="l" defTabSz="1158270" rtl="0" eaLnBrk="1" latinLnBrk="0" hangingPunct="1">
-        <a:defRPr sz="2280" kern="1200">
+      <a:lvl1pPr marL="0" algn="l" defTabSz="1341150" rtl="0" eaLnBrk="1" latinLnBrk="0" hangingPunct="1">
+        <a:defRPr sz="2640" kern="1200">
           <a:solidFill>
             <a:schemeClr val="tx1"/>
           </a:solidFill>
@@ -2902,8 +2902,8 @@
           <a:cs typeface="+mn-cs"/>
         </a:defRPr>
       </a:lvl1pPr>
-      <a:lvl2pPr marL="579135" algn="l" defTabSz="1158270" rtl="0" eaLnBrk="1" latinLnBrk="0" hangingPunct="1">
-        <a:defRPr sz="2280" kern="1200">
+      <a:lvl2pPr marL="670575" algn="l" defTabSz="1341150" rtl="0" eaLnBrk="1" latinLnBrk="0" hangingPunct="1">
+        <a:defRPr sz="2640" kern="1200">
           <a:solidFill>
             <a:schemeClr val="tx1"/>
           </a:solidFill>
@@ -2912,8 +2912,8 @@
           <a:cs typeface="+mn-cs"/>
         </a:defRPr>
       </a:lvl2pPr>
-      <a:lvl3pPr marL="1158270" algn="l" defTabSz="1158270" rtl="0" eaLnBrk="1" latinLnBrk="0" hangingPunct="1">
-        <a:defRPr sz="2280" kern="1200">
+      <a:lvl3pPr marL="1341150" algn="l" defTabSz="1341150" rtl="0" eaLnBrk="1" latinLnBrk="0" hangingPunct="1">
+        <a:defRPr sz="2640" kern="1200">
           <a:solidFill>
             <a:schemeClr val="tx1"/>
           </a:solidFill>
@@ -2922,8 +2922,8 @@
           <a:cs typeface="+mn-cs"/>
         </a:defRPr>
       </a:lvl3pPr>
-      <a:lvl4pPr marL="1737406" algn="l" defTabSz="1158270" rtl="0" eaLnBrk="1" latinLnBrk="0" hangingPunct="1">
-        <a:defRPr sz="2280" kern="1200">
+      <a:lvl4pPr marL="2011726" algn="l" defTabSz="1341150" rtl="0" eaLnBrk="1" latinLnBrk="0" hangingPunct="1">
+        <a:defRPr sz="2640" kern="1200">
           <a:solidFill>
             <a:schemeClr val="tx1"/>
           </a:solidFill>
@@ -2932,8 +2932,8 @@
           <a:cs typeface="+mn-cs"/>
         </a:defRPr>
       </a:lvl4pPr>
-      <a:lvl5pPr marL="2316541" algn="l" defTabSz="1158270" rtl="0" eaLnBrk="1" latinLnBrk="0" hangingPunct="1">
-        <a:defRPr sz="2280" kern="1200">
+      <a:lvl5pPr marL="2682301" algn="l" defTabSz="1341150" rtl="0" eaLnBrk="1" latinLnBrk="0" hangingPunct="1">
+        <a:defRPr sz="2640" kern="1200">
           <a:solidFill>
             <a:schemeClr val="tx1"/>
           </a:solidFill>
@@ -2942,8 +2942,8 @@
           <a:cs typeface="+mn-cs"/>
         </a:defRPr>
       </a:lvl5pPr>
-      <a:lvl6pPr marL="2895676" algn="l" defTabSz="1158270" rtl="0" eaLnBrk="1" latinLnBrk="0" hangingPunct="1">
-        <a:defRPr sz="2280" kern="1200">
+      <a:lvl6pPr marL="3352876" algn="l" defTabSz="1341150" rtl="0" eaLnBrk="1" latinLnBrk="0" hangingPunct="1">
+        <a:defRPr sz="2640" kern="1200">
           <a:solidFill>
             <a:schemeClr val="tx1"/>
           </a:solidFill>
@@ -2952,8 +2952,8 @@
           <a:cs typeface="+mn-cs"/>
         </a:defRPr>
       </a:lvl6pPr>
-      <a:lvl7pPr marL="3474811" algn="l" defTabSz="1158270" rtl="0" eaLnBrk="1" latinLnBrk="0" hangingPunct="1">
-        <a:defRPr sz="2280" kern="1200">
+      <a:lvl7pPr marL="4023451" algn="l" defTabSz="1341150" rtl="0" eaLnBrk="1" latinLnBrk="0" hangingPunct="1">
+        <a:defRPr sz="2640" kern="1200">
           <a:solidFill>
             <a:schemeClr val="tx1"/>
           </a:solidFill>
@@ -2962,8 +2962,8 @@
           <a:cs typeface="+mn-cs"/>
         </a:defRPr>
       </a:lvl7pPr>
-      <a:lvl8pPr marL="4053947" algn="l" defTabSz="1158270" rtl="0" eaLnBrk="1" latinLnBrk="0" hangingPunct="1">
-        <a:defRPr sz="2280" kern="1200">
+      <a:lvl8pPr marL="4694027" algn="l" defTabSz="1341150" rtl="0" eaLnBrk="1" latinLnBrk="0" hangingPunct="1">
+        <a:defRPr sz="2640" kern="1200">
           <a:solidFill>
             <a:schemeClr val="tx1"/>
           </a:solidFill>
@@ -2972,8 +2972,8 @@
           <a:cs typeface="+mn-cs"/>
         </a:defRPr>
       </a:lvl8pPr>
-      <a:lvl9pPr marL="4633082" algn="l" defTabSz="1158270" rtl="0" eaLnBrk="1" latinLnBrk="0" hangingPunct="1">
-        <a:defRPr sz="2280" kern="1200">
+      <a:lvl9pPr marL="5364602" algn="l" defTabSz="1341150" rtl="0" eaLnBrk="1" latinLnBrk="0" hangingPunct="1">
+        <a:defRPr sz="2640" kern="1200">
           <a:solidFill>
             <a:schemeClr val="tx1"/>
           </a:solidFill>
@@ -2990,14 +2990,6 @@
 <file path=ppt/slides/slide1.xml><?xml version="1.0" encoding="utf-8"?>
 <p:sld xmlns:a="http://schemas.openxmlformats.org/drawingml/2006/main" xmlns:r="http://schemas.openxmlformats.org/officeDocument/2006/relationships" xmlns:p="http://schemas.openxmlformats.org/presentationml/2006/main">
   <p:cSld>
-    <p:bg>
-      <p:bgPr>
-        <a:solidFill>
-          <a:schemeClr val="bg1"/>
-        </a:solidFill>
-        <a:effectLst/>
-      </p:bgPr>
-    </p:bg>
     <p:spTree>
       <p:nvGrpSpPr>
         <p:cNvPr id="1" name=""/>
@@ -3039,7 +3031,7 @@
         </p:blipFill>
         <p:spPr>
           <a:xfrm>
-            <a:off x="1" y="10"/>
+            <a:off x="347397" y="488102"/>
             <a:ext cx="6724041" cy="4343390"/>
           </a:xfrm>
           <a:prstGeom prst="rect">
@@ -3062,19 +3054,19 @@
           <p:nvPr/>
         </p:nvPicPr>
         <p:blipFill rotWithShape="1">
-          <a:blip r:embed="rId2">
-            <a:extLst>
-              <a:ext uri="{28A0092B-C50C-407E-A947-70E740481C1C}">
-                <a14:useLocalDpi xmlns:a14="http://schemas.microsoft.com/office/drawing/2010/main" val="0"/>
-              </a:ext>
-            </a:extLst>
-          </a:blip>
-          <a:srcRect t="3229" r="-1" b="-1"/>
-          <a:stretch/>
-        </p:blipFill>
-        <p:spPr>
-          <a:xfrm>
-            <a:off x="6717320" y="10"/>
+          <a:blip r:embed="rId3">
+            <a:extLst>
+              <a:ext uri="{28A0092B-C50C-407E-A947-70E740481C1C}">
+                <a14:useLocalDpi xmlns:a14="http://schemas.microsoft.com/office/drawing/2010/main" val="0"/>
+              </a:ext>
+            </a:extLst>
+          </a:blip>
+          <a:srcRect t="3229" r="-1" b="-1"/>
+          <a:stretch/>
+        </p:blipFill>
+        <p:spPr>
+          <a:xfrm>
+            <a:off x="7556583" y="488102"/>
             <a:ext cx="6724042" cy="4343390"/>
           </a:xfrm>
           <a:prstGeom prst="rect">
@@ -3097,7 +3089,7 @@
           <p:nvPr/>
         </p:nvPicPr>
         <p:blipFill rotWithShape="1">
-          <a:blip r:embed="rId2">
+          <a:blip r:embed="rId3">
             <a:extLst>
               <a:ext uri="{28A0092B-C50C-407E-A947-70E740481C1C}">
                 <a14:useLocalDpi xmlns:a14="http://schemas.microsoft.com/office/drawing/2010/main" val="0"/>
@@ -3109,7 +3101,7 @@
         </p:blipFill>
         <p:spPr>
           <a:xfrm>
-            <a:off x="1" y="4343400"/>
+            <a:off x="347397" y="5226909"/>
             <a:ext cx="6724041" cy="4343400"/>
           </a:xfrm>
           <a:prstGeom prst="rect">
@@ -3132,7 +3124,7 @@
           <p:nvPr/>
         </p:nvPicPr>
         <p:blipFill rotWithShape="1">
-          <a:blip r:embed="rId2">
+          <a:blip r:embed="rId3">
             <a:extLst>
               <a:ext uri="{28A0092B-C50C-407E-A947-70E740481C1C}">
                 <a14:useLocalDpi xmlns:a14="http://schemas.microsoft.com/office/drawing/2010/main" val="0"/>
@@ -3144,7 +3136,7 @@
         </p:blipFill>
         <p:spPr>
           <a:xfrm>
-            <a:off x="6717320" y="4343400"/>
+            <a:off x="7556583" y="5226898"/>
             <a:ext cx="6724042" cy="4343400"/>
           </a:xfrm>
           <a:prstGeom prst="rect">
@@ -3209,7 +3201,7 @@
         </p:blipFill>
         <p:spPr>
           <a:xfrm>
-            <a:off x="1" y="10"/>
+            <a:off x="594532" y="685810"/>
             <a:ext cx="6724041" cy="4343390"/>
           </a:xfrm>
           <a:prstGeom prst="rect">
@@ -3244,7 +3236,7 @@
         </p:blipFill>
         <p:spPr>
           <a:xfrm>
-            <a:off x="6717320" y="10"/>
+            <a:off x="7311839" y="685810"/>
             <a:ext cx="6724042" cy="4343390"/>
           </a:xfrm>
           <a:prstGeom prst="rect">
@@ -3279,7 +3271,7 @@
         </p:blipFill>
         <p:spPr>
           <a:xfrm>
-            <a:off x="1" y="4343400"/>
+            <a:off x="594534" y="5029202"/>
             <a:ext cx="6724041" cy="4343400"/>
           </a:xfrm>
           <a:prstGeom prst="rect">
@@ -3314,7 +3306,7 @@
         </p:blipFill>
         <p:spPr>
           <a:xfrm>
-            <a:off x="6717320" y="4343400"/>
+            <a:off x="7311840" y="5029202"/>
             <a:ext cx="6724042" cy="4343400"/>
           </a:xfrm>
           <a:prstGeom prst="rect">
@@ -3349,7 +3341,7 @@
         </p:blipFill>
         <p:spPr>
           <a:xfrm>
-            <a:off x="6724042" y="0"/>
+            <a:off x="7318576" y="685800"/>
             <a:ext cx="6724041" cy="4343390"/>
           </a:xfrm>
           <a:prstGeom prst="rect">
@@ -3384,7 +3376,7 @@
         </p:blipFill>
         <p:spPr>
           <a:xfrm>
-            <a:off x="6717322" y="4343410"/>
+            <a:off x="7311856" y="5029210"/>
             <a:ext cx="6724041" cy="4343390"/>
           </a:xfrm>
           <a:prstGeom prst="rect">
@@ -3406,8 +3398,8 @@
         </p:nvSpPr>
         <p:spPr>
           <a:xfrm>
-            <a:off x="6460184" y="3881735"/>
-            <a:ext cx="520994" cy="923330"/>
+            <a:off x="7054704" y="4567544"/>
+            <a:ext cx="520994" cy="923201"/>
           </a:xfrm>
           <a:prstGeom prst="rect">
             <a:avLst/>
@@ -3421,7 +3413,7 @@
           <a:lstStyle/>
           <a:p>
             <a:r>
-              <a:rPr lang="en-US" sz="5400" dirty="0">
+              <a:rPr lang="en-US" sz="5399" dirty="0">
                 <a:solidFill>
                   <a:srgbClr val="FFFF00"/>
                 </a:solidFill>
@@ -3488,7 +3480,7 @@
         </p:blipFill>
         <p:spPr>
           <a:xfrm>
-            <a:off x="1" y="10"/>
+            <a:off x="594532" y="685810"/>
             <a:ext cx="6724041" cy="4343390"/>
           </a:xfrm>
           <a:prstGeom prst="rect">
@@ -3523,7 +3515,7 @@
         </p:blipFill>
         <p:spPr>
           <a:xfrm>
-            <a:off x="6717320" y="10"/>
+            <a:off x="7311839" y="685810"/>
             <a:ext cx="6724042" cy="4343390"/>
           </a:xfrm>
           <a:prstGeom prst="rect">
@@ -3558,7 +3550,7 @@
         </p:blipFill>
         <p:spPr>
           <a:xfrm>
-            <a:off x="1" y="4343400"/>
+            <a:off x="594534" y="5029202"/>
             <a:ext cx="6724041" cy="4343400"/>
           </a:xfrm>
           <a:prstGeom prst="rect">
@@ -3593,7 +3585,7 @@
         </p:blipFill>
         <p:spPr>
           <a:xfrm>
-            <a:off x="6717320" y="4343400"/>
+            <a:off x="7311840" y="5029202"/>
             <a:ext cx="6724042" cy="4343400"/>
           </a:xfrm>
           <a:prstGeom prst="rect">
@@ -3628,7 +3620,7 @@
         </p:blipFill>
         <p:spPr>
           <a:xfrm>
-            <a:off x="6723" y="4343390"/>
+            <a:off x="601256" y="5029190"/>
             <a:ext cx="6724041" cy="4343390"/>
           </a:xfrm>
           <a:prstGeom prst="rect">
@@ -3663,7 +3655,7 @@
         </p:blipFill>
         <p:spPr>
           <a:xfrm>
-            <a:off x="6717322" y="4343410"/>
+            <a:off x="7311856" y="5029210"/>
             <a:ext cx="6724041" cy="4343390"/>
           </a:xfrm>
           <a:prstGeom prst="rect">
@@ -3685,8 +3677,8 @@
         </p:nvSpPr>
         <p:spPr>
           <a:xfrm>
-            <a:off x="6460184" y="3881735"/>
-            <a:ext cx="520994" cy="923330"/>
+            <a:off x="7054704" y="4567544"/>
+            <a:ext cx="520994" cy="923201"/>
           </a:xfrm>
           <a:prstGeom prst="rect">
             <a:avLst/>
@@ -3700,7 +3692,7 @@
           <a:lstStyle/>
           <a:p>
             <a:r>
-              <a:rPr lang="en-US" sz="5400" dirty="0">
+              <a:rPr lang="en-US" sz="5399" dirty="0">
                 <a:solidFill>
                   <a:srgbClr val="FFFF00"/>
                 </a:solidFill>
@@ -3767,7 +3759,7 @@
         </p:blipFill>
         <p:spPr>
           <a:xfrm>
-            <a:off x="1" y="10"/>
+            <a:off x="594532" y="685810"/>
             <a:ext cx="6724041" cy="4343390"/>
           </a:xfrm>
           <a:prstGeom prst="rect">
@@ -3802,7 +3794,7 @@
         </p:blipFill>
         <p:spPr>
           <a:xfrm>
-            <a:off x="6717320" y="10"/>
+            <a:off x="7311839" y="685810"/>
             <a:ext cx="6724042" cy="4343390"/>
           </a:xfrm>
           <a:prstGeom prst="rect">
@@ -3837,7 +3829,7 @@
         </p:blipFill>
         <p:spPr>
           <a:xfrm>
-            <a:off x="1" y="4343400"/>
+            <a:off x="594534" y="5029202"/>
             <a:ext cx="6724041" cy="4343400"/>
           </a:xfrm>
           <a:prstGeom prst="rect">
@@ -3872,7 +3864,7 @@
         </p:blipFill>
         <p:spPr>
           <a:xfrm>
-            <a:off x="6717320" y="4343400"/>
+            <a:off x="7311840" y="5029202"/>
             <a:ext cx="6724042" cy="4343400"/>
           </a:xfrm>
           <a:prstGeom prst="rect">
@@ -3907,7 +3899,7 @@
         </p:blipFill>
         <p:spPr>
           <a:xfrm>
-            <a:off x="1" y="0"/>
+            <a:off x="594532" y="685800"/>
             <a:ext cx="6724041" cy="4343390"/>
           </a:xfrm>
           <a:prstGeom prst="rect">
@@ -3942,7 +3934,7 @@
         </p:blipFill>
         <p:spPr>
           <a:xfrm>
-            <a:off x="6724042" y="0"/>
+            <a:off x="7318576" y="685800"/>
             <a:ext cx="6724041" cy="4343390"/>
           </a:xfrm>
           <a:prstGeom prst="rect">
@@ -3977,7 +3969,7 @@
         </p:blipFill>
         <p:spPr>
           <a:xfrm>
-            <a:off x="6723" y="4343390"/>
+            <a:off x="601256" y="5029190"/>
             <a:ext cx="6724041" cy="4343390"/>
           </a:xfrm>
           <a:prstGeom prst="rect">
@@ -3999,8 +3991,8 @@
         </p:nvSpPr>
         <p:spPr>
           <a:xfrm>
-            <a:off x="6460184" y="3881735"/>
-            <a:ext cx="520994" cy="923330"/>
+            <a:off x="7054704" y="4567544"/>
+            <a:ext cx="520994" cy="923201"/>
           </a:xfrm>
           <a:prstGeom prst="rect">
             <a:avLst/>
@@ -4014,7 +4006,7 @@
           <a:lstStyle/>
           <a:p>
             <a:r>
-              <a:rPr lang="en-US" sz="5400" dirty="0">
+              <a:rPr lang="en-US" sz="5399" dirty="0">
                 <a:solidFill>
                   <a:srgbClr val="FFFF00"/>
                 </a:solidFill>
@@ -4081,7 +4073,7 @@
         </p:blipFill>
         <p:spPr>
           <a:xfrm>
-            <a:off x="1" y="10"/>
+            <a:off x="594532" y="685810"/>
             <a:ext cx="6724041" cy="4343390"/>
           </a:xfrm>
           <a:prstGeom prst="rect">
@@ -4116,7 +4108,7 @@
         </p:blipFill>
         <p:spPr>
           <a:xfrm>
-            <a:off x="6717320" y="10"/>
+            <a:off x="7311839" y="685810"/>
             <a:ext cx="6724042" cy="4343390"/>
           </a:xfrm>
           <a:prstGeom prst="rect">
@@ -4151,7 +4143,7 @@
         </p:blipFill>
         <p:spPr>
           <a:xfrm>
-            <a:off x="1" y="4343400"/>
+            <a:off x="594534" y="5029202"/>
             <a:ext cx="6724041" cy="4343400"/>
           </a:xfrm>
           <a:prstGeom prst="rect">
@@ -4186,7 +4178,7 @@
         </p:blipFill>
         <p:spPr>
           <a:xfrm>
-            <a:off x="6717320" y="4343400"/>
+            <a:off x="7311840" y="5029202"/>
             <a:ext cx="6724042" cy="4343400"/>
           </a:xfrm>
           <a:prstGeom prst="rect">
@@ -4221,7 +4213,7 @@
         </p:blipFill>
         <p:spPr>
           <a:xfrm>
-            <a:off x="6724042" y="0"/>
+            <a:off x="7318576" y="685800"/>
             <a:ext cx="6724041" cy="4343390"/>
           </a:xfrm>
           <a:prstGeom prst="rect">
@@ -4256,7 +4248,7 @@
         </p:blipFill>
         <p:spPr>
           <a:xfrm>
-            <a:off x="6723" y="4343390"/>
+            <a:off x="601256" y="5029190"/>
             <a:ext cx="6724041" cy="4343390"/>
           </a:xfrm>
           <a:prstGeom prst="rect">
@@ -4291,7 +4283,7 @@
         </p:blipFill>
         <p:spPr>
           <a:xfrm>
-            <a:off x="6717322" y="4343410"/>
+            <a:off x="7311856" y="5029210"/>
             <a:ext cx="6724041" cy="4343390"/>
           </a:xfrm>
           <a:prstGeom prst="rect">
@@ -4313,8 +4305,8 @@
         </p:nvSpPr>
         <p:spPr>
           <a:xfrm>
-            <a:off x="6460184" y="3881735"/>
-            <a:ext cx="520994" cy="923330"/>
+            <a:off x="7054704" y="4567544"/>
+            <a:ext cx="520994" cy="923201"/>
           </a:xfrm>
           <a:prstGeom prst="rect">
             <a:avLst/>
@@ -4328,7 +4320,7 @@
           <a:lstStyle/>
           <a:p>
             <a:r>
-              <a:rPr lang="en-US" sz="5400" dirty="0">
+              <a:rPr lang="en-US" sz="5399" dirty="0">
                 <a:solidFill>
                   <a:srgbClr val="FFFF00"/>
                 </a:solidFill>
@@ -4395,7 +4387,7 @@
         </p:blipFill>
         <p:spPr>
           <a:xfrm>
-            <a:off x="1" y="10"/>
+            <a:off x="594532" y="685810"/>
             <a:ext cx="6724041" cy="4343390"/>
           </a:xfrm>
           <a:prstGeom prst="rect">
@@ -4430,7 +4422,7 @@
         </p:blipFill>
         <p:spPr>
           <a:xfrm>
-            <a:off x="6717320" y="10"/>
+            <a:off x="7311839" y="685810"/>
             <a:ext cx="6724042" cy="4343390"/>
           </a:xfrm>
           <a:prstGeom prst="rect">
@@ -4465,7 +4457,7 @@
         </p:blipFill>
         <p:spPr>
           <a:xfrm>
-            <a:off x="1" y="4343400"/>
+            <a:off x="594534" y="5029202"/>
             <a:ext cx="6724041" cy="4343400"/>
           </a:xfrm>
           <a:prstGeom prst="rect">
@@ -4500,7 +4492,7 @@
         </p:blipFill>
         <p:spPr>
           <a:xfrm>
-            <a:off x="6717320" y="4343400"/>
+            <a:off x="7311840" y="5029202"/>
             <a:ext cx="6724042" cy="4343400"/>
           </a:xfrm>
           <a:prstGeom prst="rect">
@@ -4535,7 +4527,7 @@
         </p:blipFill>
         <p:spPr>
           <a:xfrm>
-            <a:off x="1" y="0"/>
+            <a:off x="594532" y="685800"/>
             <a:ext cx="6724041" cy="4343390"/>
           </a:xfrm>
           <a:prstGeom prst="rect">
@@ -4570,7 +4562,7 @@
         </p:blipFill>
         <p:spPr>
           <a:xfrm>
-            <a:off x="6723" y="4343390"/>
+            <a:off x="601256" y="5029190"/>
             <a:ext cx="6724041" cy="4343390"/>
           </a:xfrm>
           <a:prstGeom prst="rect">
@@ -4605,7 +4597,7 @@
         </p:blipFill>
         <p:spPr>
           <a:xfrm>
-            <a:off x="6717322" y="4343410"/>
+            <a:off x="7311856" y="5029210"/>
             <a:ext cx="6724041" cy="4343390"/>
           </a:xfrm>
           <a:prstGeom prst="rect">
@@ -4627,8 +4619,8 @@
         </p:nvSpPr>
         <p:spPr>
           <a:xfrm>
-            <a:off x="6460184" y="3881735"/>
-            <a:ext cx="520994" cy="923330"/>
+            <a:off x="7054704" y="4567544"/>
+            <a:ext cx="520994" cy="923201"/>
           </a:xfrm>
           <a:prstGeom prst="rect">
             <a:avLst/>
@@ -4642,7 +4634,7 @@
           <a:lstStyle/>
           <a:p>
             <a:r>
-              <a:rPr lang="en-US" sz="5400" dirty="0">
+              <a:rPr lang="en-US" sz="5399" dirty="0">
                 <a:solidFill>
                   <a:srgbClr val="FFFF00"/>
                 </a:solidFill>
@@ -4709,7 +4701,7 @@
         </p:blipFill>
         <p:spPr>
           <a:xfrm>
-            <a:off x="1" y="10"/>
+            <a:off x="594532" y="685810"/>
             <a:ext cx="6724041" cy="4343390"/>
           </a:xfrm>
           <a:prstGeom prst="rect">
@@ -4744,7 +4736,7 @@
         </p:blipFill>
         <p:spPr>
           <a:xfrm>
-            <a:off x="6717320" y="10"/>
+            <a:off x="7311839" y="685810"/>
             <a:ext cx="6724042" cy="4343390"/>
           </a:xfrm>
           <a:prstGeom prst="rect">
@@ -4779,7 +4771,7 @@
         </p:blipFill>
         <p:spPr>
           <a:xfrm>
-            <a:off x="1" y="4343400"/>
+            <a:off x="594534" y="5029202"/>
             <a:ext cx="6724041" cy="4343400"/>
           </a:xfrm>
           <a:prstGeom prst="rect">
@@ -4814,7 +4806,7 @@
         </p:blipFill>
         <p:spPr>
           <a:xfrm>
-            <a:off x="6717320" y="4343400"/>
+            <a:off x="7311840" y="5029202"/>
             <a:ext cx="6724042" cy="4343400"/>
           </a:xfrm>
           <a:prstGeom prst="rect">
@@ -4849,7 +4841,7 @@
         </p:blipFill>
         <p:spPr>
           <a:xfrm>
-            <a:off x="1" y="0"/>
+            <a:off x="594532" y="685800"/>
             <a:ext cx="6724041" cy="4343390"/>
           </a:xfrm>
           <a:prstGeom prst="rect">
@@ -4884,7 +4876,7 @@
         </p:blipFill>
         <p:spPr>
           <a:xfrm>
-            <a:off x="6724042" y="0"/>
+            <a:off x="7318576" y="685800"/>
             <a:ext cx="6724041" cy="4343390"/>
           </a:xfrm>
           <a:prstGeom prst="rect">
@@ -4919,7 +4911,7 @@
         </p:blipFill>
         <p:spPr>
           <a:xfrm>
-            <a:off x="6717322" y="4343410"/>
+            <a:off x="7311856" y="5029210"/>
             <a:ext cx="6724041" cy="4343390"/>
           </a:xfrm>
           <a:prstGeom prst="rect">
@@ -4941,8 +4933,8 @@
         </p:nvSpPr>
         <p:spPr>
           <a:xfrm>
-            <a:off x="6460184" y="3881735"/>
-            <a:ext cx="520994" cy="923330"/>
+            <a:off x="7054704" y="4567544"/>
+            <a:ext cx="520994" cy="923201"/>
           </a:xfrm>
           <a:prstGeom prst="rect">
             <a:avLst/>
@@ -4956,7 +4948,7 @@
           <a:lstStyle/>
           <a:p>
             <a:r>
-              <a:rPr lang="en-US" sz="5400" dirty="0">
+              <a:rPr lang="en-US" sz="5399" dirty="0">
                 <a:solidFill>
                   <a:srgbClr val="FFFF00"/>
                 </a:solidFill>
@@ -5023,7 +5015,7 @@
         </p:blipFill>
         <p:spPr>
           <a:xfrm>
-            <a:off x="1" y="10"/>
+            <a:off x="594532" y="685810"/>
             <a:ext cx="6724041" cy="4343390"/>
           </a:xfrm>
           <a:prstGeom prst="rect">
@@ -5058,7 +5050,7 @@
         </p:blipFill>
         <p:spPr>
           <a:xfrm>
-            <a:off x="6717320" y="10"/>
+            <a:off x="7311839" y="685810"/>
             <a:ext cx="6724042" cy="4343390"/>
           </a:xfrm>
           <a:prstGeom prst="rect">
@@ -5093,7 +5085,7 @@
         </p:blipFill>
         <p:spPr>
           <a:xfrm>
-            <a:off x="1" y="4343400"/>
+            <a:off x="594534" y="5029202"/>
             <a:ext cx="6724041" cy="4343400"/>
           </a:xfrm>
           <a:prstGeom prst="rect">
@@ -5128,7 +5120,7 @@
         </p:blipFill>
         <p:spPr>
           <a:xfrm>
-            <a:off x="6717320" y="4343400"/>
+            <a:off x="7311840" y="5029202"/>
             <a:ext cx="6724042" cy="4343400"/>
           </a:xfrm>
           <a:prstGeom prst="rect">
@@ -5163,7 +5155,7 @@
         </p:blipFill>
         <p:spPr>
           <a:xfrm>
-            <a:off x="1" y="0"/>
+            <a:off x="594532" y="685800"/>
             <a:ext cx="6724041" cy="4343390"/>
           </a:xfrm>
           <a:prstGeom prst="rect">
@@ -5198,7 +5190,7 @@
         </p:blipFill>
         <p:spPr>
           <a:xfrm>
-            <a:off x="6724042" y="0"/>
+            <a:off x="7318576" y="685800"/>
             <a:ext cx="6724041" cy="4343390"/>
           </a:xfrm>
           <a:prstGeom prst="rect">
@@ -5233,7 +5225,7 @@
         </p:blipFill>
         <p:spPr>
           <a:xfrm>
-            <a:off x="6723" y="4343390"/>
+            <a:off x="601256" y="5029190"/>
             <a:ext cx="6724041" cy="4343390"/>
           </a:xfrm>
           <a:prstGeom prst="rect">
@@ -5268,7 +5260,7 @@
         </p:blipFill>
         <p:spPr>
           <a:xfrm>
-            <a:off x="6717322" y="4343410"/>
+            <a:off x="7311856" y="5029210"/>
             <a:ext cx="6724041" cy="4343390"/>
           </a:xfrm>
           <a:prstGeom prst="rect">
@@ -5290,8 +5282,8 @@
         </p:nvSpPr>
         <p:spPr>
           <a:xfrm>
-            <a:off x="6460184" y="3881735"/>
-            <a:ext cx="520994" cy="923330"/>
+            <a:off x="7054704" y="4567544"/>
+            <a:ext cx="520994" cy="923201"/>
           </a:xfrm>
           <a:prstGeom prst="rect">
             <a:avLst/>
@@ -5305,7 +5297,7 @@
           <a:lstStyle/>
           <a:p>
             <a:r>
-              <a:rPr lang="en-US" sz="5400" dirty="0">
+              <a:rPr lang="en-US" sz="5399" dirty="0">
                 <a:solidFill>
                   <a:srgbClr val="FFFF00"/>
                 </a:solidFill>
@@ -5372,7 +5364,7 @@
         </p:blipFill>
         <p:spPr>
           <a:xfrm>
-            <a:off x="1" y="10"/>
+            <a:off x="594532" y="685810"/>
             <a:ext cx="6724041" cy="4343390"/>
           </a:xfrm>
           <a:prstGeom prst="rect">
@@ -5407,7 +5399,7 @@
         </p:blipFill>
         <p:spPr>
           <a:xfrm>
-            <a:off x="6717320" y="10"/>
+            <a:off x="7311839" y="685810"/>
             <a:ext cx="6724042" cy="4343390"/>
           </a:xfrm>
           <a:prstGeom prst="rect">
@@ -5442,7 +5434,7 @@
         </p:blipFill>
         <p:spPr>
           <a:xfrm>
-            <a:off x="1" y="4343400"/>
+            <a:off x="594534" y="5029202"/>
             <a:ext cx="6724041" cy="4343400"/>
           </a:xfrm>
           <a:prstGeom prst="rect">
@@ -5477,7 +5469,7 @@
         </p:blipFill>
         <p:spPr>
           <a:xfrm>
-            <a:off x="6717320" y="4343400"/>
+            <a:off x="7311840" y="5029202"/>
             <a:ext cx="6724042" cy="4343400"/>
           </a:xfrm>
           <a:prstGeom prst="rect">
@@ -5512,7 +5504,7 @@
         </p:blipFill>
         <p:spPr>
           <a:xfrm>
-            <a:off x="1" y="0"/>
+            <a:off x="594532" y="685800"/>
             <a:ext cx="6724041" cy="4343390"/>
           </a:xfrm>
           <a:prstGeom prst="rect">
@@ -5534,8 +5526,8 @@
         </p:nvSpPr>
         <p:spPr>
           <a:xfrm>
-            <a:off x="6460184" y="3881735"/>
-            <a:ext cx="520994" cy="923330"/>
+            <a:off x="7054704" y="4567544"/>
+            <a:ext cx="520994" cy="923201"/>
           </a:xfrm>
           <a:prstGeom prst="rect">
             <a:avLst/>
@@ -5549,7 +5541,7 @@
           <a:lstStyle/>
           <a:p>
             <a:r>
-              <a:rPr lang="en-US" sz="5400" dirty="0">
+              <a:rPr lang="en-US" sz="5399" dirty="0">
                 <a:solidFill>
                   <a:srgbClr val="FFFF00"/>
                 </a:solidFill>
@@ -5616,7 +5608,7 @@
         </p:blipFill>
         <p:spPr>
           <a:xfrm>
-            <a:off x="1" y="10"/>
+            <a:off x="594532" y="685810"/>
             <a:ext cx="6724041" cy="4343390"/>
           </a:xfrm>
           <a:prstGeom prst="rect">
@@ -5651,7 +5643,7 @@
         </p:blipFill>
         <p:spPr>
           <a:xfrm>
-            <a:off x="6717320" y="10"/>
+            <a:off x="7311839" y="685810"/>
             <a:ext cx="6724042" cy="4343390"/>
           </a:xfrm>
           <a:prstGeom prst="rect">
@@ -5686,7 +5678,7 @@
         </p:blipFill>
         <p:spPr>
           <a:xfrm>
-            <a:off x="1" y="4343400"/>
+            <a:off x="594534" y="5029202"/>
             <a:ext cx="6724041" cy="4343400"/>
           </a:xfrm>
           <a:prstGeom prst="rect">
@@ -5721,7 +5713,7 @@
         </p:blipFill>
         <p:spPr>
           <a:xfrm>
-            <a:off x="6717320" y="4343400"/>
+            <a:off x="7311840" y="5029202"/>
             <a:ext cx="6724042" cy="4343400"/>
           </a:xfrm>
           <a:prstGeom prst="rect">
@@ -5756,7 +5748,7 @@
         </p:blipFill>
         <p:spPr>
           <a:xfrm>
-            <a:off x="6724042" y="0"/>
+            <a:off x="7318576" y="685800"/>
             <a:ext cx="6724041" cy="4343390"/>
           </a:xfrm>
           <a:prstGeom prst="rect">
@@ -5778,8 +5770,8 @@
         </p:nvSpPr>
         <p:spPr>
           <a:xfrm>
-            <a:off x="6460184" y="3881735"/>
-            <a:ext cx="520994" cy="923330"/>
+            <a:off x="7054704" y="4567544"/>
+            <a:ext cx="520994" cy="923201"/>
           </a:xfrm>
           <a:prstGeom prst="rect">
             <a:avLst/>
@@ -5793,7 +5785,7 @@
           <a:lstStyle/>
           <a:p>
             <a:r>
-              <a:rPr lang="en-US" sz="5400" dirty="0">
+              <a:rPr lang="en-US" sz="5399" dirty="0">
                 <a:solidFill>
                   <a:srgbClr val="FFFF00"/>
                 </a:solidFill>
@@ -5860,7 +5852,7 @@
         </p:blipFill>
         <p:spPr>
           <a:xfrm>
-            <a:off x="1" y="10"/>
+            <a:off x="594532" y="685810"/>
             <a:ext cx="6724041" cy="4343390"/>
           </a:xfrm>
           <a:prstGeom prst="rect">
@@ -5895,7 +5887,7 @@
         </p:blipFill>
         <p:spPr>
           <a:xfrm>
-            <a:off x="6717320" y="10"/>
+            <a:off x="7311839" y="685810"/>
             <a:ext cx="6724042" cy="4343390"/>
           </a:xfrm>
           <a:prstGeom prst="rect">
@@ -5930,7 +5922,7 @@
         </p:blipFill>
         <p:spPr>
           <a:xfrm>
-            <a:off x="1" y="4343400"/>
+            <a:off x="594534" y="5029202"/>
             <a:ext cx="6724041" cy="4343400"/>
           </a:xfrm>
           <a:prstGeom prst="rect">
@@ -5965,7 +5957,7 @@
         </p:blipFill>
         <p:spPr>
           <a:xfrm>
-            <a:off x="6717320" y="4343400"/>
+            <a:off x="7311840" y="5029202"/>
             <a:ext cx="6724042" cy="4343400"/>
           </a:xfrm>
           <a:prstGeom prst="rect">
@@ -6000,7 +5992,7 @@
         </p:blipFill>
         <p:spPr>
           <a:xfrm>
-            <a:off x="6723" y="4343390"/>
+            <a:off x="601256" y="5029190"/>
             <a:ext cx="6724041" cy="4343390"/>
           </a:xfrm>
           <a:prstGeom prst="rect">
@@ -6022,8 +6014,8 @@
         </p:nvSpPr>
         <p:spPr>
           <a:xfrm>
-            <a:off x="6460184" y="3881735"/>
-            <a:ext cx="520994" cy="923330"/>
+            <a:off x="7054704" y="4567544"/>
+            <a:ext cx="520994" cy="923201"/>
           </a:xfrm>
           <a:prstGeom prst="rect">
             <a:avLst/>
@@ -6037,7 +6029,7 @@
           <a:lstStyle/>
           <a:p>
             <a:r>
-              <a:rPr lang="en-US" sz="5400" dirty="0">
+              <a:rPr lang="en-US" sz="5399" dirty="0">
                 <a:solidFill>
                   <a:srgbClr val="FFFF00"/>
                 </a:solidFill>
@@ -6079,76 +6071,6 @@
       </p:grpSpPr>
       <p:pic>
         <p:nvPicPr>
-          <p:cNvPr id="27" name="Picture 26" descr="A picture containing cat&#10;&#10;Description automatically generated">
-            <a:extLst>
-              <a:ext uri="{FF2B5EF4-FFF2-40B4-BE49-F238E27FC236}">
-                <a16:creationId xmlns:a16="http://schemas.microsoft.com/office/drawing/2014/main" id="{C1DB8B69-B9DF-4DDB-BF9F-41E68162CBD2}"/>
-              </a:ext>
-            </a:extLst>
-          </p:cNvPr>
-          <p:cNvPicPr>
-            <a:picLocks noChangeAspect="1"/>
-          </p:cNvPicPr>
-          <p:nvPr/>
-        </p:nvPicPr>
-        <p:blipFill rotWithShape="1">
-          <a:blip r:embed="rId2">
-            <a:extLst>
-              <a:ext uri="{28A0092B-C50C-407E-A947-70E740481C1C}">
-                <a14:useLocalDpi xmlns:a14="http://schemas.microsoft.com/office/drawing/2010/main" val="0"/>
-              </a:ext>
-            </a:extLst>
-          </a:blip>
-          <a:srcRect t="3229" r="-1" b="-1"/>
-          <a:stretch/>
-        </p:blipFill>
-        <p:spPr>
-          <a:xfrm>
-            <a:off x="1" y="10"/>
-            <a:ext cx="6724041" cy="4343390"/>
-          </a:xfrm>
-          <a:prstGeom prst="rect">
-            <a:avLst/>
-          </a:prstGeom>
-        </p:spPr>
-      </p:pic>
-      <p:pic>
-        <p:nvPicPr>
-          <p:cNvPr id="32" name="Picture 31" descr="A picture containing cat&#10;&#10;Description automatically generated">
-            <a:extLst>
-              <a:ext uri="{FF2B5EF4-FFF2-40B4-BE49-F238E27FC236}">
-                <a16:creationId xmlns:a16="http://schemas.microsoft.com/office/drawing/2014/main" id="{F2FA646C-C8CD-448F-8364-5F591D204264}"/>
-              </a:ext>
-            </a:extLst>
-          </p:cNvPr>
-          <p:cNvPicPr>
-            <a:picLocks noChangeAspect="1"/>
-          </p:cNvPicPr>
-          <p:nvPr/>
-        </p:nvPicPr>
-        <p:blipFill rotWithShape="1">
-          <a:blip r:embed="rId2">
-            <a:extLst>
-              <a:ext uri="{28A0092B-C50C-407E-A947-70E740481C1C}">
-                <a14:useLocalDpi xmlns:a14="http://schemas.microsoft.com/office/drawing/2010/main" val="0"/>
-              </a:ext>
-            </a:extLst>
-          </a:blip>
-          <a:srcRect t="3229" r="-1" b="-1"/>
-          <a:stretch/>
-        </p:blipFill>
-        <p:spPr>
-          <a:xfrm>
-            <a:off x="6717320" y="10"/>
-            <a:ext cx="6724042" cy="4343390"/>
-          </a:xfrm>
-          <a:prstGeom prst="rect">
-            <a:avLst/>
-          </a:prstGeom>
-        </p:spPr>
-      </p:pic>
-      <p:pic>
-        <p:nvPicPr>
           <p:cNvPr id="18" name="Picture 17" descr="A picture containing cat&#10;&#10;Description automatically generated">
             <a:extLst>
               <a:ext uri="{FF2B5EF4-FFF2-40B4-BE49-F238E27FC236}">
@@ -6174,7 +6096,7 @@
         </p:blipFill>
         <p:spPr>
           <a:xfrm>
-            <a:off x="1" y="4343400"/>
+            <a:off x="347472" y="5230368"/>
             <a:ext cx="6724041" cy="4343400"/>
           </a:xfrm>
           <a:prstGeom prst="rect">
@@ -6184,41 +6106,6 @@
       </p:pic>
       <p:pic>
         <p:nvPicPr>
-          <p:cNvPr id="19" name="Picture 18" descr="A picture containing cat&#10;&#10;Description automatically generated">
-            <a:extLst>
-              <a:ext uri="{FF2B5EF4-FFF2-40B4-BE49-F238E27FC236}">
-                <a16:creationId xmlns:a16="http://schemas.microsoft.com/office/drawing/2014/main" id="{9383B0EF-D092-4F11-AA9A-E70EF48871EB}"/>
-              </a:ext>
-            </a:extLst>
-          </p:cNvPr>
-          <p:cNvPicPr>
-            <a:picLocks noChangeAspect="1"/>
-          </p:cNvPicPr>
-          <p:nvPr/>
-        </p:nvPicPr>
-        <p:blipFill rotWithShape="1">
-          <a:blip r:embed="rId2">
-            <a:extLst>
-              <a:ext uri="{28A0092B-C50C-407E-A947-70E740481C1C}">
-                <a14:useLocalDpi xmlns:a14="http://schemas.microsoft.com/office/drawing/2010/main" val="0"/>
-              </a:ext>
-            </a:extLst>
-          </a:blip>
-          <a:srcRect t="3228" r="-1" b="-1"/>
-          <a:stretch/>
-        </p:blipFill>
-        <p:spPr>
-          <a:xfrm>
-            <a:off x="6717320" y="4343400"/>
-            <a:ext cx="6724042" cy="4343400"/>
-          </a:xfrm>
-          <a:prstGeom prst="rect">
-            <a:avLst/>
-          </a:prstGeom>
-        </p:spPr>
-      </p:pic>
-      <p:pic>
-        <p:nvPicPr>
           <p:cNvPr id="3" name="Picture 2" descr="A picture containing cat&#10;&#10;Description automatically generated">
             <a:extLst>
               <a:ext uri="{FF2B5EF4-FFF2-40B4-BE49-F238E27FC236}">
@@ -6244,7 +6131,7 @@
         </p:blipFill>
         <p:spPr>
           <a:xfrm>
-            <a:off x="1" y="0"/>
+            <a:off x="347472" y="484632"/>
             <a:ext cx="6724041" cy="4343390"/>
           </a:xfrm>
           <a:prstGeom prst="rect">
@@ -6266,8 +6153,8 @@
         </p:nvSpPr>
         <p:spPr>
           <a:xfrm>
-            <a:off x="6460184" y="3881735"/>
-            <a:ext cx="520994" cy="923330"/>
+            <a:off x="7054704" y="4567544"/>
+            <a:ext cx="520994" cy="923201"/>
           </a:xfrm>
           <a:prstGeom prst="rect">
             <a:avLst/>
@@ -6281,7 +6168,7 @@
           <a:lstStyle/>
           <a:p>
             <a:r>
-              <a:rPr lang="en-US" sz="5400" dirty="0">
+              <a:rPr lang="en-US" sz="5399" dirty="0">
                 <a:solidFill>
                   <a:srgbClr val="FFFF00"/>
                 </a:solidFill>
@@ -6291,6 +6178,76 @@
           </a:p>
         </p:txBody>
       </p:sp>
+      <p:pic>
+        <p:nvPicPr>
+          <p:cNvPr id="6" name="Picture 5" descr="A picture containing cat&#10;&#10;Description automatically generated">
+            <a:extLst>
+              <a:ext uri="{FF2B5EF4-FFF2-40B4-BE49-F238E27FC236}">
+                <a16:creationId xmlns:a16="http://schemas.microsoft.com/office/drawing/2014/main" id="{FEBA7368-1119-454D-855D-0A3B48606ABD}"/>
+              </a:ext>
+            </a:extLst>
+          </p:cNvPr>
+          <p:cNvPicPr>
+            <a:picLocks noChangeAspect="1"/>
+          </p:cNvPicPr>
+          <p:nvPr/>
+        </p:nvPicPr>
+        <p:blipFill rotWithShape="1">
+          <a:blip r:embed="rId2">
+            <a:extLst>
+              <a:ext uri="{28A0092B-C50C-407E-A947-70E740481C1C}">
+                <a14:useLocalDpi xmlns:a14="http://schemas.microsoft.com/office/drawing/2010/main" val="0"/>
+              </a:ext>
+            </a:extLst>
+          </a:blip>
+          <a:srcRect t="3229" r="-1" b="-1"/>
+          <a:stretch/>
+        </p:blipFill>
+        <p:spPr>
+          <a:xfrm>
+            <a:off x="7556583" y="488102"/>
+            <a:ext cx="6724042" cy="4343390"/>
+          </a:xfrm>
+          <a:prstGeom prst="rect">
+            <a:avLst/>
+          </a:prstGeom>
+        </p:spPr>
+      </p:pic>
+      <p:pic>
+        <p:nvPicPr>
+          <p:cNvPr id="7" name="Picture 6" descr="A picture containing cat&#10;&#10;Description automatically generated">
+            <a:extLst>
+              <a:ext uri="{FF2B5EF4-FFF2-40B4-BE49-F238E27FC236}">
+                <a16:creationId xmlns:a16="http://schemas.microsoft.com/office/drawing/2014/main" id="{D1FF60C8-0916-4293-845B-4D6B0A0EA814}"/>
+              </a:ext>
+            </a:extLst>
+          </p:cNvPr>
+          <p:cNvPicPr>
+            <a:picLocks noChangeAspect="1"/>
+          </p:cNvPicPr>
+          <p:nvPr/>
+        </p:nvPicPr>
+        <p:blipFill rotWithShape="1">
+          <a:blip r:embed="rId2">
+            <a:extLst>
+              <a:ext uri="{28A0092B-C50C-407E-A947-70E740481C1C}">
+                <a14:useLocalDpi xmlns:a14="http://schemas.microsoft.com/office/drawing/2010/main" val="0"/>
+              </a:ext>
+            </a:extLst>
+          </a:blip>
+          <a:srcRect t="3228" r="-1" b="-1"/>
+          <a:stretch/>
+        </p:blipFill>
+        <p:spPr>
+          <a:xfrm>
+            <a:off x="7556583" y="5226898"/>
+            <a:ext cx="6724042" cy="4343400"/>
+          </a:xfrm>
+          <a:prstGeom prst="rect">
+            <a:avLst/>
+          </a:prstGeom>
+        </p:spPr>
+      </p:pic>
     </p:spTree>
     <p:extLst>
       <p:ext uri="{BB962C8B-B14F-4D97-AF65-F5344CB8AC3E}">
@@ -6348,7 +6305,7 @@
         </p:blipFill>
         <p:spPr>
           <a:xfrm>
-            <a:off x="1" y="10"/>
+            <a:off x="594532" y="685810"/>
             <a:ext cx="6724041" cy="4343390"/>
           </a:xfrm>
           <a:prstGeom prst="rect">
@@ -6383,7 +6340,7 @@
         </p:blipFill>
         <p:spPr>
           <a:xfrm>
-            <a:off x="6717320" y="10"/>
+            <a:off x="7311839" y="685810"/>
             <a:ext cx="6724042" cy="4343390"/>
           </a:xfrm>
           <a:prstGeom prst="rect">
@@ -6418,7 +6375,7 @@
         </p:blipFill>
         <p:spPr>
           <a:xfrm>
-            <a:off x="1" y="4343400"/>
+            <a:off x="594534" y="5029202"/>
             <a:ext cx="6724041" cy="4343400"/>
           </a:xfrm>
           <a:prstGeom prst="rect">
@@ -6453,7 +6410,7 @@
         </p:blipFill>
         <p:spPr>
           <a:xfrm>
-            <a:off x="6717320" y="4343400"/>
+            <a:off x="7311840" y="5029202"/>
             <a:ext cx="6724042" cy="4343400"/>
           </a:xfrm>
           <a:prstGeom prst="rect">
@@ -6488,7 +6445,7 @@
         </p:blipFill>
         <p:spPr>
           <a:xfrm>
-            <a:off x="6717322" y="4343410"/>
+            <a:off x="7311856" y="5029210"/>
             <a:ext cx="6724041" cy="4343390"/>
           </a:xfrm>
           <a:prstGeom prst="rect">
@@ -6510,8 +6467,8 @@
         </p:nvSpPr>
         <p:spPr>
           <a:xfrm>
-            <a:off x="6460184" y="3881735"/>
-            <a:ext cx="520994" cy="923330"/>
+            <a:off x="7054704" y="4567544"/>
+            <a:ext cx="520994" cy="923201"/>
           </a:xfrm>
           <a:prstGeom prst="rect">
             <a:avLst/>
@@ -6525,7 +6482,7 @@
           <a:lstStyle/>
           <a:p>
             <a:r>
-              <a:rPr lang="en-US" sz="5400" dirty="0">
+              <a:rPr lang="en-US" sz="5399" dirty="0">
                 <a:solidFill>
                   <a:srgbClr val="FFFF00"/>
                 </a:solidFill>
@@ -6592,7 +6549,7 @@
         </p:blipFill>
         <p:spPr>
           <a:xfrm>
-            <a:off x="1" y="10"/>
+            <a:off x="594532" y="685810"/>
             <a:ext cx="6724041" cy="4343390"/>
           </a:xfrm>
           <a:prstGeom prst="rect">
@@ -6627,7 +6584,7 @@
         </p:blipFill>
         <p:spPr>
           <a:xfrm>
-            <a:off x="6717320" y="10"/>
+            <a:off x="7311839" y="685810"/>
             <a:ext cx="6724042" cy="4343390"/>
           </a:xfrm>
           <a:prstGeom prst="rect">
@@ -6662,7 +6619,7 @@
         </p:blipFill>
         <p:spPr>
           <a:xfrm>
-            <a:off x="1" y="4343400"/>
+            <a:off x="594534" y="5029202"/>
             <a:ext cx="6724041" cy="4343400"/>
           </a:xfrm>
           <a:prstGeom prst="rect">
@@ -6697,7 +6654,7 @@
         </p:blipFill>
         <p:spPr>
           <a:xfrm>
-            <a:off x="6717320" y="4343400"/>
+            <a:off x="7311840" y="5029202"/>
             <a:ext cx="6724042" cy="4343400"/>
           </a:xfrm>
           <a:prstGeom prst="rect">
@@ -6732,7 +6689,7 @@
         </p:blipFill>
         <p:spPr>
           <a:xfrm>
-            <a:off x="1" y="0"/>
+            <a:off x="594532" y="685800"/>
             <a:ext cx="6724041" cy="4343390"/>
           </a:xfrm>
           <a:prstGeom prst="rect">
@@ -6767,7 +6724,7 @@
         </p:blipFill>
         <p:spPr>
           <a:xfrm>
-            <a:off x="6724042" y="0"/>
+            <a:off x="7318576" y="685800"/>
             <a:ext cx="6724041" cy="4343390"/>
           </a:xfrm>
           <a:prstGeom prst="rect">
@@ -6789,8 +6746,8 @@
         </p:nvSpPr>
         <p:spPr>
           <a:xfrm>
-            <a:off x="6460184" y="3881735"/>
-            <a:ext cx="520994" cy="923330"/>
+            <a:off x="7054704" y="4567544"/>
+            <a:ext cx="520994" cy="923201"/>
           </a:xfrm>
           <a:prstGeom prst="rect">
             <a:avLst/>
@@ -6804,7 +6761,7 @@
           <a:lstStyle/>
           <a:p>
             <a:r>
-              <a:rPr lang="en-US" sz="5400" dirty="0">
+              <a:rPr lang="en-US" sz="5399" dirty="0">
                 <a:solidFill>
                   <a:srgbClr val="FFFF00"/>
                 </a:solidFill>
@@ -6871,7 +6828,7 @@
         </p:blipFill>
         <p:spPr>
           <a:xfrm>
-            <a:off x="1" y="10"/>
+            <a:off x="594532" y="685810"/>
             <a:ext cx="6724041" cy="4343390"/>
           </a:xfrm>
           <a:prstGeom prst="rect">
@@ -6906,7 +6863,7 @@
         </p:blipFill>
         <p:spPr>
           <a:xfrm>
-            <a:off x="6717320" y="10"/>
+            <a:off x="7311839" y="685810"/>
             <a:ext cx="6724042" cy="4343390"/>
           </a:xfrm>
           <a:prstGeom prst="rect">
@@ -6941,7 +6898,7 @@
         </p:blipFill>
         <p:spPr>
           <a:xfrm>
-            <a:off x="1" y="4343400"/>
+            <a:off x="594534" y="5029202"/>
             <a:ext cx="6724041" cy="4343400"/>
           </a:xfrm>
           <a:prstGeom prst="rect">
@@ -6976,7 +6933,7 @@
         </p:blipFill>
         <p:spPr>
           <a:xfrm>
-            <a:off x="6717320" y="4343400"/>
+            <a:off x="7311840" y="5029202"/>
             <a:ext cx="6724042" cy="4343400"/>
           </a:xfrm>
           <a:prstGeom prst="rect">
@@ -7011,7 +6968,7 @@
         </p:blipFill>
         <p:spPr>
           <a:xfrm>
-            <a:off x="1" y="0"/>
+            <a:off x="594532" y="685800"/>
             <a:ext cx="6724041" cy="4343390"/>
           </a:xfrm>
           <a:prstGeom prst="rect">
@@ -7046,7 +7003,7 @@
         </p:blipFill>
         <p:spPr>
           <a:xfrm>
-            <a:off x="6723" y="4343390"/>
+            <a:off x="601256" y="5029190"/>
             <a:ext cx="6724041" cy="4343390"/>
           </a:xfrm>
           <a:prstGeom prst="rect">
@@ -7068,8 +7025,8 @@
         </p:nvSpPr>
         <p:spPr>
           <a:xfrm>
-            <a:off x="6460184" y="3881735"/>
-            <a:ext cx="520994" cy="923330"/>
+            <a:off x="7054704" y="4567544"/>
+            <a:ext cx="520994" cy="923201"/>
           </a:xfrm>
           <a:prstGeom prst="rect">
             <a:avLst/>
@@ -7083,7 +7040,7 @@
           <a:lstStyle/>
           <a:p>
             <a:r>
-              <a:rPr lang="en-US" sz="5400" dirty="0">
+              <a:rPr lang="en-US" sz="5399" dirty="0">
                 <a:solidFill>
                   <a:srgbClr val="FFFF00"/>
                 </a:solidFill>
@@ -7150,7 +7107,7 @@
         </p:blipFill>
         <p:spPr>
           <a:xfrm>
-            <a:off x="1" y="10"/>
+            <a:off x="594532" y="685810"/>
             <a:ext cx="6724041" cy="4343390"/>
           </a:xfrm>
           <a:prstGeom prst="rect">
@@ -7185,7 +7142,7 @@
         </p:blipFill>
         <p:spPr>
           <a:xfrm>
-            <a:off x="6717320" y="10"/>
+            <a:off x="7311839" y="685810"/>
             <a:ext cx="6724042" cy="4343390"/>
           </a:xfrm>
           <a:prstGeom prst="rect">
@@ -7220,7 +7177,7 @@
         </p:blipFill>
         <p:spPr>
           <a:xfrm>
-            <a:off x="1" y="4343400"/>
+            <a:off x="594534" y="5029202"/>
             <a:ext cx="6724041" cy="4343400"/>
           </a:xfrm>
           <a:prstGeom prst="rect">
@@ -7255,7 +7212,7 @@
         </p:blipFill>
         <p:spPr>
           <a:xfrm>
-            <a:off x="6717320" y="4343400"/>
+            <a:off x="7311840" y="5029202"/>
             <a:ext cx="6724042" cy="4343400"/>
           </a:xfrm>
           <a:prstGeom prst="rect">
@@ -7290,7 +7247,7 @@
         </p:blipFill>
         <p:spPr>
           <a:xfrm>
-            <a:off x="1" y="0"/>
+            <a:off x="594532" y="685800"/>
             <a:ext cx="6724041" cy="4343390"/>
           </a:xfrm>
           <a:prstGeom prst="rect">
@@ -7325,7 +7282,7 @@
         </p:blipFill>
         <p:spPr>
           <a:xfrm>
-            <a:off x="6717322" y="4343410"/>
+            <a:off x="7311856" y="5029210"/>
             <a:ext cx="6724041" cy="4343390"/>
           </a:xfrm>
           <a:prstGeom prst="rect">
@@ -7347,8 +7304,8 @@
         </p:nvSpPr>
         <p:spPr>
           <a:xfrm>
-            <a:off x="6460184" y="3881735"/>
-            <a:ext cx="520994" cy="923330"/>
+            <a:off x="7054704" y="4567544"/>
+            <a:ext cx="520994" cy="923201"/>
           </a:xfrm>
           <a:prstGeom prst="rect">
             <a:avLst/>
@@ -7362,7 +7319,7 @@
           <a:lstStyle/>
           <a:p>
             <a:r>
-              <a:rPr lang="en-US" sz="5400" dirty="0">
+              <a:rPr lang="en-US" sz="5399" dirty="0">
                 <a:solidFill>
                   <a:srgbClr val="FFFF00"/>
                 </a:solidFill>
@@ -7429,7 +7386,7 @@
         </p:blipFill>
         <p:spPr>
           <a:xfrm>
-            <a:off x="1" y="10"/>
+            <a:off x="594532" y="685810"/>
             <a:ext cx="6724041" cy="4343390"/>
           </a:xfrm>
           <a:prstGeom prst="rect">
@@ -7464,7 +7421,7 @@
         </p:blipFill>
         <p:spPr>
           <a:xfrm>
-            <a:off x="6717320" y="10"/>
+            <a:off x="7311839" y="685810"/>
             <a:ext cx="6724042" cy="4343390"/>
           </a:xfrm>
           <a:prstGeom prst="rect">
@@ -7499,7 +7456,7 @@
         </p:blipFill>
         <p:spPr>
           <a:xfrm>
-            <a:off x="1" y="4343400"/>
+            <a:off x="594534" y="5029202"/>
             <a:ext cx="6724041" cy="4343400"/>
           </a:xfrm>
           <a:prstGeom prst="rect">
@@ -7534,7 +7491,7 @@
         </p:blipFill>
         <p:spPr>
           <a:xfrm>
-            <a:off x="6717320" y="4343400"/>
+            <a:off x="7311840" y="5029202"/>
             <a:ext cx="6724042" cy="4343400"/>
           </a:xfrm>
           <a:prstGeom prst="rect">
@@ -7569,7 +7526,7 @@
         </p:blipFill>
         <p:spPr>
           <a:xfrm>
-            <a:off x="6724042" y="0"/>
+            <a:off x="7318576" y="685800"/>
             <a:ext cx="6724041" cy="4343390"/>
           </a:xfrm>
           <a:prstGeom prst="rect">
@@ -7604,7 +7561,7 @@
         </p:blipFill>
         <p:spPr>
           <a:xfrm>
-            <a:off x="6723" y="4343390"/>
+            <a:off x="601256" y="5029190"/>
             <a:ext cx="6724041" cy="4343390"/>
           </a:xfrm>
           <a:prstGeom prst="rect">
@@ -7626,8 +7583,8 @@
         </p:nvSpPr>
         <p:spPr>
           <a:xfrm>
-            <a:off x="6460184" y="3881735"/>
-            <a:ext cx="520994" cy="923330"/>
+            <a:off x="7054704" y="4567544"/>
+            <a:ext cx="520994" cy="923201"/>
           </a:xfrm>
           <a:prstGeom prst="rect">
             <a:avLst/>
@@ -7641,7 +7598,7 @@
           <a:lstStyle/>
           <a:p>
             <a:r>
-              <a:rPr lang="en-US" sz="5400" dirty="0">
+              <a:rPr lang="en-US" sz="5399" dirty="0">
                 <a:solidFill>
                   <a:srgbClr val="FFFF00"/>
                 </a:solidFill>
@@ -7708,7 +7665,7 @@
         </p:blipFill>
         <p:spPr>
           <a:xfrm>
-            <a:off x="1" y="10"/>
+            <a:off x="594532" y="685810"/>
             <a:ext cx="6724041" cy="4343390"/>
           </a:xfrm>
           <a:prstGeom prst="rect">
@@ -7743,7 +7700,7 @@
         </p:blipFill>
         <p:spPr>
           <a:xfrm>
-            <a:off x="6717320" y="10"/>
+            <a:off x="7311839" y="685810"/>
             <a:ext cx="6724042" cy="4343390"/>
           </a:xfrm>
           <a:prstGeom prst="rect">
@@ -7778,7 +7735,7 @@
         </p:blipFill>
         <p:spPr>
           <a:xfrm>
-            <a:off x="1" y="4343400"/>
+            <a:off x="594534" y="5029202"/>
             <a:ext cx="6724041" cy="4343400"/>
           </a:xfrm>
           <a:prstGeom prst="rect">
@@ -7813,7 +7770,7 @@
         </p:blipFill>
         <p:spPr>
           <a:xfrm>
-            <a:off x="6717320" y="4343400"/>
+            <a:off x="7311840" y="5029202"/>
             <a:ext cx="6724042" cy="4343400"/>
           </a:xfrm>
           <a:prstGeom prst="rect">
@@ -7848,7 +7805,7 @@
         </p:blipFill>
         <p:spPr>
           <a:xfrm>
-            <a:off x="6724042" y="0"/>
+            <a:off x="7318576" y="685800"/>
             <a:ext cx="6724041" cy="4343390"/>
           </a:xfrm>
           <a:prstGeom prst="rect">
@@ -7883,7 +7840,7 @@
         </p:blipFill>
         <p:spPr>
           <a:xfrm>
-            <a:off x="6717322" y="4343410"/>
+            <a:off x="7311856" y="5029210"/>
             <a:ext cx="6724041" cy="4343390"/>
           </a:xfrm>
           <a:prstGeom prst="rect">
@@ -7905,8 +7862,8 @@
         </p:nvSpPr>
         <p:spPr>
           <a:xfrm>
-            <a:off x="6460184" y="3881735"/>
-            <a:ext cx="520994" cy="923330"/>
+            <a:off x="7054704" y="4567544"/>
+            <a:ext cx="520994" cy="923201"/>
           </a:xfrm>
           <a:prstGeom prst="rect">
             <a:avLst/>
@@ -7920,7 +7877,7 @@
           <a:lstStyle/>
           <a:p>
             <a:r>
-              <a:rPr lang="en-US" sz="5400" dirty="0">
+              <a:rPr lang="en-US" sz="5399" dirty="0">
                 <a:solidFill>
                   <a:srgbClr val="FFFF00"/>
                 </a:solidFill>
@@ -7987,7 +7944,7 @@
         </p:blipFill>
         <p:spPr>
           <a:xfrm>
-            <a:off x="1" y="10"/>
+            <a:off x="594532" y="685810"/>
             <a:ext cx="6724041" cy="4343390"/>
           </a:xfrm>
           <a:prstGeom prst="rect">
@@ -8022,7 +7979,7 @@
         </p:blipFill>
         <p:spPr>
           <a:xfrm>
-            <a:off x="6717320" y="10"/>
+            <a:off x="7311839" y="685810"/>
             <a:ext cx="6724042" cy="4343390"/>
           </a:xfrm>
           <a:prstGeom prst="rect">
@@ -8057,7 +8014,7 @@
         </p:blipFill>
         <p:spPr>
           <a:xfrm>
-            <a:off x="1" y="4343400"/>
+            <a:off x="594534" y="5029202"/>
             <a:ext cx="6724041" cy="4343400"/>
           </a:xfrm>
           <a:prstGeom prst="rect">
@@ -8092,7 +8049,7 @@
         </p:blipFill>
         <p:spPr>
           <a:xfrm>
-            <a:off x="6717320" y="4343400"/>
+            <a:off x="7311840" y="5029202"/>
             <a:ext cx="6724042" cy="4343400"/>
           </a:xfrm>
           <a:prstGeom prst="rect">
@@ -8127,7 +8084,7 @@
         </p:blipFill>
         <p:spPr>
           <a:xfrm>
-            <a:off x="6723" y="4343390"/>
+            <a:off x="601256" y="5029190"/>
             <a:ext cx="6724041" cy="4343390"/>
           </a:xfrm>
           <a:prstGeom prst="rect">
@@ -8162,7 +8119,7 @@
         </p:blipFill>
         <p:spPr>
           <a:xfrm>
-            <a:off x="6717322" y="4343410"/>
+            <a:off x="7311856" y="5029210"/>
             <a:ext cx="6724041" cy="4343390"/>
           </a:xfrm>
           <a:prstGeom prst="rect">
@@ -8184,8 +8141,8 @@
         </p:nvSpPr>
         <p:spPr>
           <a:xfrm>
-            <a:off x="6460184" y="3881735"/>
-            <a:ext cx="520994" cy="923330"/>
+            <a:off x="7054704" y="4567544"/>
+            <a:ext cx="520994" cy="923201"/>
           </a:xfrm>
           <a:prstGeom prst="rect">
             <a:avLst/>
@@ -8199,7 +8156,7 @@
           <a:lstStyle/>
           <a:p>
             <a:r>
-              <a:rPr lang="en-US" sz="5400" dirty="0">
+              <a:rPr lang="en-US" sz="5399" dirty="0">
                 <a:solidFill>
                   <a:srgbClr val="FFFF00"/>
                 </a:solidFill>
@@ -8266,7 +8223,7 @@
         </p:blipFill>
         <p:spPr>
           <a:xfrm>
-            <a:off x="1" y="10"/>
+            <a:off x="594532" y="685810"/>
             <a:ext cx="6724041" cy="4343390"/>
           </a:xfrm>
           <a:prstGeom prst="rect">
@@ -8301,7 +8258,7 @@
         </p:blipFill>
         <p:spPr>
           <a:xfrm>
-            <a:off x="6717320" y="10"/>
+            <a:off x="7311839" y="685810"/>
             <a:ext cx="6724042" cy="4343390"/>
           </a:xfrm>
           <a:prstGeom prst="rect">
@@ -8336,7 +8293,7 @@
         </p:blipFill>
         <p:spPr>
           <a:xfrm>
-            <a:off x="1" y="4343400"/>
+            <a:off x="594534" y="5029202"/>
             <a:ext cx="6724041" cy="4343400"/>
           </a:xfrm>
           <a:prstGeom prst="rect">
@@ -8371,7 +8328,7 @@
         </p:blipFill>
         <p:spPr>
           <a:xfrm>
-            <a:off x="6717320" y="4343400"/>
+            <a:off x="7311840" y="5029202"/>
             <a:ext cx="6724042" cy="4343400"/>
           </a:xfrm>
           <a:prstGeom prst="rect">
@@ -8406,7 +8363,7 @@
         </p:blipFill>
         <p:spPr>
           <a:xfrm>
-            <a:off x="1" y="0"/>
+            <a:off x="594532" y="685800"/>
             <a:ext cx="6724041" cy="4343390"/>
           </a:xfrm>
           <a:prstGeom prst="rect">
@@ -8441,7 +8398,7 @@
         </p:blipFill>
         <p:spPr>
           <a:xfrm>
-            <a:off x="6724042" y="0"/>
+            <a:off x="7318576" y="685800"/>
             <a:ext cx="6724041" cy="4343390"/>
           </a:xfrm>
           <a:prstGeom prst="rect">
@@ -8476,7 +8433,7 @@
         </p:blipFill>
         <p:spPr>
           <a:xfrm>
-            <a:off x="6723" y="4343390"/>
+            <a:off x="601256" y="5029190"/>
             <a:ext cx="6724041" cy="4343390"/>
           </a:xfrm>
           <a:prstGeom prst="rect">
@@ -8498,8 +8455,8 @@
         </p:nvSpPr>
         <p:spPr>
           <a:xfrm>
-            <a:off x="6460184" y="3881735"/>
-            <a:ext cx="520994" cy="923330"/>
+            <a:off x="7054704" y="4567544"/>
+            <a:ext cx="520994" cy="923201"/>
           </a:xfrm>
           <a:prstGeom prst="rect">
             <a:avLst/>
@@ -8513,7 +8470,7 @@
           <a:lstStyle/>
           <a:p>
             <a:r>
-              <a:rPr lang="en-US" sz="5400" dirty="0">
+              <a:rPr lang="en-US" sz="5399" dirty="0">
                 <a:solidFill>
                   <a:srgbClr val="FFFF00"/>
                 </a:solidFill>
@@ -8580,7 +8537,7 @@
         </p:blipFill>
         <p:spPr>
           <a:xfrm>
-            <a:off x="1" y="10"/>
+            <a:off x="594532" y="685810"/>
             <a:ext cx="6724041" cy="4343390"/>
           </a:xfrm>
           <a:prstGeom prst="rect">
@@ -8615,7 +8572,7 @@
         </p:blipFill>
         <p:spPr>
           <a:xfrm>
-            <a:off x="6717320" y="10"/>
+            <a:off x="7311839" y="685810"/>
             <a:ext cx="6724042" cy="4343390"/>
           </a:xfrm>
           <a:prstGeom prst="rect">
@@ -8650,7 +8607,7 @@
         </p:blipFill>
         <p:spPr>
           <a:xfrm>
-            <a:off x="1" y="4343400"/>
+            <a:off x="594534" y="5029202"/>
             <a:ext cx="6724041" cy="4343400"/>
           </a:xfrm>
           <a:prstGeom prst="rect">
@@ -8685,7 +8642,7 @@
         </p:blipFill>
         <p:spPr>
           <a:xfrm>
-            <a:off x="6717320" y="4343400"/>
+            <a:off x="7311840" y="5029202"/>
             <a:ext cx="6724042" cy="4343400"/>
           </a:xfrm>
           <a:prstGeom prst="rect">
@@ -8720,7 +8677,7 @@
         </p:blipFill>
         <p:spPr>
           <a:xfrm>
-            <a:off x="6724042" y="0"/>
+            <a:off x="7318576" y="685800"/>
             <a:ext cx="6724041" cy="4343390"/>
           </a:xfrm>
           <a:prstGeom prst="rect">
@@ -8755,7 +8712,7 @@
         </p:blipFill>
         <p:spPr>
           <a:xfrm>
-            <a:off x="6723" y="4343390"/>
+            <a:off x="601256" y="5029190"/>
             <a:ext cx="6724041" cy="4343390"/>
           </a:xfrm>
           <a:prstGeom prst="rect">
@@ -8790,7 +8747,7 @@
         </p:blipFill>
         <p:spPr>
           <a:xfrm>
-            <a:off x="6717322" y="4343410"/>
+            <a:off x="7311856" y="5029210"/>
             <a:ext cx="6724041" cy="4343390"/>
           </a:xfrm>
           <a:prstGeom prst="rect">
@@ -8812,8 +8769,8 @@
         </p:nvSpPr>
         <p:spPr>
           <a:xfrm>
-            <a:off x="6460184" y="3881735"/>
-            <a:ext cx="520994" cy="923330"/>
+            <a:off x="7054704" y="4567544"/>
+            <a:ext cx="520994" cy="923201"/>
           </a:xfrm>
           <a:prstGeom prst="rect">
             <a:avLst/>
@@ -8827,7 +8784,7 @@
           <a:lstStyle/>
           <a:p>
             <a:r>
-              <a:rPr lang="en-US" sz="5400" dirty="0">
+              <a:rPr lang="en-US" sz="5399" dirty="0">
                 <a:solidFill>
                   <a:srgbClr val="FFFF00"/>
                 </a:solidFill>
@@ -8894,7 +8851,7 @@
         </p:blipFill>
         <p:spPr>
           <a:xfrm>
-            <a:off x="1" y="10"/>
+            <a:off x="594532" y="685810"/>
             <a:ext cx="6724041" cy="4343390"/>
           </a:xfrm>
           <a:prstGeom prst="rect">
@@ -8929,7 +8886,7 @@
         </p:blipFill>
         <p:spPr>
           <a:xfrm>
-            <a:off x="6717320" y="10"/>
+            <a:off x="7311839" y="685810"/>
             <a:ext cx="6724042" cy="4343390"/>
           </a:xfrm>
           <a:prstGeom prst="rect">
@@ -8964,7 +8921,7 @@
         </p:blipFill>
         <p:spPr>
           <a:xfrm>
-            <a:off x="1" y="4343400"/>
+            <a:off x="594534" y="5029202"/>
             <a:ext cx="6724041" cy="4343400"/>
           </a:xfrm>
           <a:prstGeom prst="rect">
@@ -8999,7 +8956,7 @@
         </p:blipFill>
         <p:spPr>
           <a:xfrm>
-            <a:off x="6717320" y="4343400"/>
+            <a:off x="7311840" y="5029202"/>
             <a:ext cx="6724042" cy="4343400"/>
           </a:xfrm>
           <a:prstGeom prst="rect">
@@ -9034,7 +8991,7 @@
         </p:blipFill>
         <p:spPr>
           <a:xfrm>
-            <a:off x="1" y="0"/>
+            <a:off x="594532" y="685800"/>
             <a:ext cx="6724041" cy="4343390"/>
           </a:xfrm>
           <a:prstGeom prst="rect">
@@ -9069,7 +9026,7 @@
         </p:blipFill>
         <p:spPr>
           <a:xfrm>
-            <a:off x="6723" y="4343390"/>
+            <a:off x="601256" y="5029190"/>
             <a:ext cx="6724041" cy="4343390"/>
           </a:xfrm>
           <a:prstGeom prst="rect">
@@ -9104,7 +9061,7 @@
         </p:blipFill>
         <p:spPr>
           <a:xfrm>
-            <a:off x="6717322" y="4343410"/>
+            <a:off x="7311856" y="5029210"/>
             <a:ext cx="6724041" cy="4343390"/>
           </a:xfrm>
           <a:prstGeom prst="rect">
@@ -9126,8 +9083,8 @@
         </p:nvSpPr>
         <p:spPr>
           <a:xfrm>
-            <a:off x="6460184" y="3881735"/>
-            <a:ext cx="520994" cy="923330"/>
+            <a:off x="7054704" y="4567544"/>
+            <a:ext cx="520994" cy="923201"/>
           </a:xfrm>
           <a:prstGeom prst="rect">
             <a:avLst/>
@@ -9141,7 +9098,7 @@
           <a:lstStyle/>
           <a:p>
             <a:r>
-              <a:rPr lang="en-US" sz="5400" dirty="0">
+              <a:rPr lang="en-US" sz="5399" dirty="0">
                 <a:solidFill>
                   <a:srgbClr val="FFFF00"/>
                 </a:solidFill>
@@ -9208,7 +9165,7 @@
         </p:blipFill>
         <p:spPr>
           <a:xfrm>
-            <a:off x="1" y="10"/>
+            <a:off x="594532" y="685810"/>
             <a:ext cx="6724041" cy="4343390"/>
           </a:xfrm>
           <a:prstGeom prst="rect">
@@ -9243,7 +9200,7 @@
         </p:blipFill>
         <p:spPr>
           <a:xfrm>
-            <a:off x="6717320" y="10"/>
+            <a:off x="7311839" y="685810"/>
             <a:ext cx="6724042" cy="4343390"/>
           </a:xfrm>
           <a:prstGeom prst="rect">
@@ -9278,7 +9235,7 @@
         </p:blipFill>
         <p:spPr>
           <a:xfrm>
-            <a:off x="1" y="4343400"/>
+            <a:off x="594534" y="5029202"/>
             <a:ext cx="6724041" cy="4343400"/>
           </a:xfrm>
           <a:prstGeom prst="rect">
@@ -9313,7 +9270,7 @@
         </p:blipFill>
         <p:spPr>
           <a:xfrm>
-            <a:off x="6717320" y="4343400"/>
+            <a:off x="7311840" y="5029202"/>
             <a:ext cx="6724042" cy="4343400"/>
           </a:xfrm>
           <a:prstGeom prst="rect">
@@ -9348,7 +9305,7 @@
         </p:blipFill>
         <p:spPr>
           <a:xfrm>
-            <a:off x="6724042" y="0"/>
+            <a:off x="7318576" y="685800"/>
             <a:ext cx="6724041" cy="4343390"/>
           </a:xfrm>
           <a:prstGeom prst="rect">
@@ -9370,8 +9327,8 @@
         </p:nvSpPr>
         <p:spPr>
           <a:xfrm>
-            <a:off x="6460184" y="3881735"/>
-            <a:ext cx="520994" cy="923330"/>
+            <a:off x="7054704" y="4567544"/>
+            <a:ext cx="520994" cy="923201"/>
           </a:xfrm>
           <a:prstGeom prst="rect">
             <a:avLst/>
@@ -9385,7 +9342,7 @@
           <a:lstStyle/>
           <a:p>
             <a:r>
-              <a:rPr lang="en-US" sz="5400" dirty="0">
+              <a:rPr lang="en-US" sz="5399" dirty="0">
                 <a:solidFill>
                   <a:srgbClr val="FFFF00"/>
                 </a:solidFill>
@@ -9452,7 +9409,7 @@
         </p:blipFill>
         <p:spPr>
           <a:xfrm>
-            <a:off x="1" y="10"/>
+            <a:off x="594532" y="685810"/>
             <a:ext cx="6724041" cy="4343390"/>
           </a:xfrm>
           <a:prstGeom prst="rect">
@@ -9487,7 +9444,7 @@
         </p:blipFill>
         <p:spPr>
           <a:xfrm>
-            <a:off x="6717320" y="10"/>
+            <a:off x="7311839" y="685810"/>
             <a:ext cx="6724042" cy="4343390"/>
           </a:xfrm>
           <a:prstGeom prst="rect">
@@ -9522,7 +9479,7 @@
         </p:blipFill>
         <p:spPr>
           <a:xfrm>
-            <a:off x="1" y="4343400"/>
+            <a:off x="594534" y="5029202"/>
             <a:ext cx="6724041" cy="4343400"/>
           </a:xfrm>
           <a:prstGeom prst="rect">
@@ -9557,7 +9514,7 @@
         </p:blipFill>
         <p:spPr>
           <a:xfrm>
-            <a:off x="6717320" y="4343400"/>
+            <a:off x="7311840" y="5029202"/>
             <a:ext cx="6724042" cy="4343400"/>
           </a:xfrm>
           <a:prstGeom prst="rect">
@@ -9592,7 +9549,7 @@
         </p:blipFill>
         <p:spPr>
           <a:xfrm>
-            <a:off x="1" y="0"/>
+            <a:off x="594532" y="685800"/>
             <a:ext cx="6724041" cy="4343390"/>
           </a:xfrm>
           <a:prstGeom prst="rect">
@@ -9627,7 +9584,7 @@
         </p:blipFill>
         <p:spPr>
           <a:xfrm>
-            <a:off x="6724042" y="0"/>
+            <a:off x="7318576" y="685800"/>
             <a:ext cx="6724041" cy="4343390"/>
           </a:xfrm>
           <a:prstGeom prst="rect">
@@ -9662,7 +9619,7 @@
         </p:blipFill>
         <p:spPr>
           <a:xfrm>
-            <a:off x="6717322" y="4343410"/>
+            <a:off x="7311856" y="5029210"/>
             <a:ext cx="6724041" cy="4343390"/>
           </a:xfrm>
           <a:prstGeom prst="rect">
@@ -9684,8 +9641,8 @@
         </p:nvSpPr>
         <p:spPr>
           <a:xfrm>
-            <a:off x="6460184" y="3881735"/>
-            <a:ext cx="520994" cy="923330"/>
+            <a:off x="7054704" y="4567544"/>
+            <a:ext cx="520994" cy="923201"/>
           </a:xfrm>
           <a:prstGeom prst="rect">
             <a:avLst/>
@@ -9699,7 +9656,7 @@
           <a:lstStyle/>
           <a:p>
             <a:r>
-              <a:rPr lang="en-US" sz="5400" dirty="0">
+              <a:rPr lang="en-US" sz="5399" dirty="0">
                 <a:solidFill>
                   <a:srgbClr val="FFFF00"/>
                 </a:solidFill>
@@ -9766,7 +9723,7 @@
         </p:blipFill>
         <p:spPr>
           <a:xfrm>
-            <a:off x="1" y="10"/>
+            <a:off x="594532" y="685810"/>
             <a:ext cx="6724041" cy="4343390"/>
           </a:xfrm>
           <a:prstGeom prst="rect">
@@ -9801,7 +9758,7 @@
         </p:blipFill>
         <p:spPr>
           <a:xfrm>
-            <a:off x="6717320" y="10"/>
+            <a:off x="7311839" y="685810"/>
             <a:ext cx="6724042" cy="4343390"/>
           </a:xfrm>
           <a:prstGeom prst="rect">
@@ -9836,7 +9793,7 @@
         </p:blipFill>
         <p:spPr>
           <a:xfrm>
-            <a:off x="1" y="4343400"/>
+            <a:off x="594534" y="5029202"/>
             <a:ext cx="6724041" cy="4343400"/>
           </a:xfrm>
           <a:prstGeom prst="rect">
@@ -9871,7 +9828,7 @@
         </p:blipFill>
         <p:spPr>
           <a:xfrm>
-            <a:off x="6717320" y="4343400"/>
+            <a:off x="7311840" y="5029202"/>
             <a:ext cx="6724042" cy="4343400"/>
           </a:xfrm>
           <a:prstGeom prst="rect">
@@ -9906,7 +9863,7 @@
         </p:blipFill>
         <p:spPr>
           <a:xfrm>
-            <a:off x="1" y="0"/>
+            <a:off x="594532" y="685800"/>
             <a:ext cx="6724041" cy="4343390"/>
           </a:xfrm>
           <a:prstGeom prst="rect">
@@ -9941,7 +9898,7 @@
         </p:blipFill>
         <p:spPr>
           <a:xfrm>
-            <a:off x="6724042" y="0"/>
+            <a:off x="7318576" y="685800"/>
             <a:ext cx="6724041" cy="4343390"/>
           </a:xfrm>
           <a:prstGeom prst="rect">
@@ -9976,7 +9933,7 @@
         </p:blipFill>
         <p:spPr>
           <a:xfrm>
-            <a:off x="6723" y="4343390"/>
+            <a:off x="601256" y="5029190"/>
             <a:ext cx="6724041" cy="4343390"/>
           </a:xfrm>
           <a:prstGeom prst="rect">
@@ -10011,7 +9968,7 @@
         </p:blipFill>
         <p:spPr>
           <a:xfrm>
-            <a:off x="6717322" y="4343410"/>
+            <a:off x="7311856" y="5029210"/>
             <a:ext cx="6724041" cy="4343390"/>
           </a:xfrm>
           <a:prstGeom prst="rect">
@@ -10033,8 +9990,8 @@
         </p:nvSpPr>
         <p:spPr>
           <a:xfrm>
-            <a:off x="6460184" y="3881735"/>
-            <a:ext cx="520994" cy="923330"/>
+            <a:off x="7054704" y="4567544"/>
+            <a:ext cx="520994" cy="923201"/>
           </a:xfrm>
           <a:prstGeom prst="rect">
             <a:avLst/>
@@ -10048,7 +10005,7 @@
           <a:lstStyle/>
           <a:p>
             <a:r>
-              <a:rPr lang="en-US" sz="5400" dirty="0">
+              <a:rPr lang="en-US" sz="5399" dirty="0">
                 <a:solidFill>
                   <a:srgbClr val="FFFF00"/>
                 </a:solidFill>
@@ -10115,7 +10072,7 @@
         </p:blipFill>
         <p:spPr>
           <a:xfrm>
-            <a:off x="1" y="10"/>
+            <a:off x="594532" y="685810"/>
             <a:ext cx="6724041" cy="4343390"/>
           </a:xfrm>
           <a:prstGeom prst="rect">
@@ -10150,7 +10107,7 @@
         </p:blipFill>
         <p:spPr>
           <a:xfrm>
-            <a:off x="6717320" y="10"/>
+            <a:off x="7311839" y="685810"/>
             <a:ext cx="6724042" cy="4343390"/>
           </a:xfrm>
           <a:prstGeom prst="rect">
@@ -10185,7 +10142,7 @@
         </p:blipFill>
         <p:spPr>
           <a:xfrm>
-            <a:off x="1" y="4343400"/>
+            <a:off x="594534" y="5029202"/>
             <a:ext cx="6724041" cy="4343400"/>
           </a:xfrm>
           <a:prstGeom prst="rect">
@@ -10220,7 +10177,7 @@
         </p:blipFill>
         <p:spPr>
           <a:xfrm>
-            <a:off x="6717320" y="4343400"/>
+            <a:off x="7311840" y="5029202"/>
             <a:ext cx="6724042" cy="4343400"/>
           </a:xfrm>
           <a:prstGeom prst="rect">
@@ -10255,7 +10212,7 @@
         </p:blipFill>
         <p:spPr>
           <a:xfrm>
-            <a:off x="6723" y="4343390"/>
+            <a:off x="601256" y="5029190"/>
             <a:ext cx="6724041" cy="4343390"/>
           </a:xfrm>
           <a:prstGeom prst="rect">
@@ -10277,8 +10234,8 @@
         </p:nvSpPr>
         <p:spPr>
           <a:xfrm>
-            <a:off x="6460184" y="3881735"/>
-            <a:ext cx="520994" cy="923330"/>
+            <a:off x="7054704" y="4567544"/>
+            <a:ext cx="520994" cy="923201"/>
           </a:xfrm>
           <a:prstGeom prst="rect">
             <a:avLst/>
@@ -10292,7 +10249,7 @@
           <a:lstStyle/>
           <a:p>
             <a:r>
-              <a:rPr lang="en-US" sz="5400" dirty="0">
+              <a:rPr lang="en-US" sz="5399" dirty="0">
                 <a:solidFill>
                   <a:srgbClr val="FFFF00"/>
                 </a:solidFill>
@@ -10359,7 +10316,7 @@
         </p:blipFill>
         <p:spPr>
           <a:xfrm>
-            <a:off x="1" y="10"/>
+            <a:off x="594532" y="685810"/>
             <a:ext cx="6724041" cy="4343390"/>
           </a:xfrm>
           <a:prstGeom prst="rect">
@@ -10394,7 +10351,7 @@
         </p:blipFill>
         <p:spPr>
           <a:xfrm>
-            <a:off x="6717320" y="10"/>
+            <a:off x="7311839" y="685810"/>
             <a:ext cx="6724042" cy="4343390"/>
           </a:xfrm>
           <a:prstGeom prst="rect">
@@ -10429,7 +10386,7 @@
         </p:blipFill>
         <p:spPr>
           <a:xfrm>
-            <a:off x="1" y="4343400"/>
+            <a:off x="594534" y="5029202"/>
             <a:ext cx="6724041" cy="4343400"/>
           </a:xfrm>
           <a:prstGeom prst="rect">
@@ -10464,7 +10421,7 @@
         </p:blipFill>
         <p:spPr>
           <a:xfrm>
-            <a:off x="6717320" y="4343400"/>
+            <a:off x="7311840" y="5029202"/>
             <a:ext cx="6724042" cy="4343400"/>
           </a:xfrm>
           <a:prstGeom prst="rect">
@@ -10499,7 +10456,7 @@
         </p:blipFill>
         <p:spPr>
           <a:xfrm>
-            <a:off x="6717322" y="4343410"/>
+            <a:off x="7311856" y="5029210"/>
             <a:ext cx="6724041" cy="4343390"/>
           </a:xfrm>
           <a:prstGeom prst="rect">
@@ -10521,8 +10478,8 @@
         </p:nvSpPr>
         <p:spPr>
           <a:xfrm>
-            <a:off x="6460184" y="3881735"/>
-            <a:ext cx="520994" cy="923330"/>
+            <a:off x="7054704" y="4567544"/>
+            <a:ext cx="520994" cy="923201"/>
           </a:xfrm>
           <a:prstGeom prst="rect">
             <a:avLst/>
@@ -10536,7 +10493,7 @@
           <a:lstStyle/>
           <a:p>
             <a:r>
-              <a:rPr lang="en-US" sz="5400" dirty="0">
+              <a:rPr lang="en-US" sz="5399" dirty="0">
                 <a:solidFill>
                   <a:srgbClr val="FFFF00"/>
                 </a:solidFill>
@@ -10603,7 +10560,7 @@
         </p:blipFill>
         <p:spPr>
           <a:xfrm>
-            <a:off x="1" y="10"/>
+            <a:off x="594532" y="685810"/>
             <a:ext cx="6724041" cy="4343390"/>
           </a:xfrm>
           <a:prstGeom prst="rect">
@@ -10638,7 +10595,7 @@
         </p:blipFill>
         <p:spPr>
           <a:xfrm>
-            <a:off x="6717320" y="10"/>
+            <a:off x="7311839" y="685810"/>
             <a:ext cx="6724042" cy="4343390"/>
           </a:xfrm>
           <a:prstGeom prst="rect">
@@ -10673,7 +10630,7 @@
         </p:blipFill>
         <p:spPr>
           <a:xfrm>
-            <a:off x="1" y="4343400"/>
+            <a:off x="594534" y="5029202"/>
             <a:ext cx="6724041" cy="4343400"/>
           </a:xfrm>
           <a:prstGeom prst="rect">
@@ -10708,7 +10665,7 @@
         </p:blipFill>
         <p:spPr>
           <a:xfrm>
-            <a:off x="6717320" y="4343400"/>
+            <a:off x="7311840" y="5029202"/>
             <a:ext cx="6724042" cy="4343400"/>
           </a:xfrm>
           <a:prstGeom prst="rect">
@@ -10743,7 +10700,7 @@
         </p:blipFill>
         <p:spPr>
           <a:xfrm>
-            <a:off x="1" y="0"/>
+            <a:off x="594532" y="685800"/>
             <a:ext cx="6724041" cy="4343390"/>
           </a:xfrm>
           <a:prstGeom prst="rect">
@@ -10778,7 +10735,7 @@
         </p:blipFill>
         <p:spPr>
           <a:xfrm>
-            <a:off x="6724042" y="0"/>
+            <a:off x="7318576" y="685800"/>
             <a:ext cx="6724041" cy="4343390"/>
           </a:xfrm>
           <a:prstGeom prst="rect">
@@ -10800,8 +10757,8 @@
         </p:nvSpPr>
         <p:spPr>
           <a:xfrm>
-            <a:off x="6460184" y="3881735"/>
-            <a:ext cx="520994" cy="923330"/>
+            <a:off x="7054704" y="4567544"/>
+            <a:ext cx="520994" cy="923201"/>
           </a:xfrm>
           <a:prstGeom prst="rect">
             <a:avLst/>
@@ -10815,7 +10772,7 @@
           <a:lstStyle/>
           <a:p>
             <a:r>
-              <a:rPr lang="en-US" sz="5400" dirty="0">
+              <a:rPr lang="en-US" sz="5399" dirty="0">
                 <a:solidFill>
                   <a:srgbClr val="FFFF00"/>
                 </a:solidFill>
@@ -10882,7 +10839,7 @@
         </p:blipFill>
         <p:spPr>
           <a:xfrm>
-            <a:off x="1" y="10"/>
+            <a:off x="594532" y="685810"/>
             <a:ext cx="6724041" cy="4343390"/>
           </a:xfrm>
           <a:prstGeom prst="rect">
@@ -10917,7 +10874,7 @@
         </p:blipFill>
         <p:spPr>
           <a:xfrm>
-            <a:off x="6717320" y="10"/>
+            <a:off x="7311839" y="685810"/>
             <a:ext cx="6724042" cy="4343390"/>
           </a:xfrm>
           <a:prstGeom prst="rect">
@@ -10952,7 +10909,7 @@
         </p:blipFill>
         <p:spPr>
           <a:xfrm>
-            <a:off x="1" y="4343400"/>
+            <a:off x="594534" y="5029202"/>
             <a:ext cx="6724041" cy="4343400"/>
           </a:xfrm>
           <a:prstGeom prst="rect">
@@ -10987,7 +10944,7 @@
         </p:blipFill>
         <p:spPr>
           <a:xfrm>
-            <a:off x="6717320" y="4343400"/>
+            <a:off x="7311840" y="5029202"/>
             <a:ext cx="6724042" cy="4343400"/>
           </a:xfrm>
           <a:prstGeom prst="rect">
@@ -11022,7 +10979,7 @@
         </p:blipFill>
         <p:spPr>
           <a:xfrm>
-            <a:off x="1" y="0"/>
+            <a:off x="594532" y="685800"/>
             <a:ext cx="6724041" cy="4343390"/>
           </a:xfrm>
           <a:prstGeom prst="rect">
@@ -11057,7 +11014,7 @@
         </p:blipFill>
         <p:spPr>
           <a:xfrm>
-            <a:off x="6723" y="4343390"/>
+            <a:off x="601256" y="5029190"/>
             <a:ext cx="6724041" cy="4343390"/>
           </a:xfrm>
           <a:prstGeom prst="rect">
@@ -11079,8 +11036,8 @@
         </p:nvSpPr>
         <p:spPr>
           <a:xfrm>
-            <a:off x="6460184" y="3881735"/>
-            <a:ext cx="520994" cy="923330"/>
+            <a:off x="7054704" y="4567544"/>
+            <a:ext cx="520994" cy="923201"/>
           </a:xfrm>
           <a:prstGeom prst="rect">
             <a:avLst/>
@@ -11094,7 +11051,7 @@
           <a:lstStyle/>
           <a:p>
             <a:r>
-              <a:rPr lang="en-US" sz="5400" dirty="0">
+              <a:rPr lang="en-US" sz="5399" dirty="0">
                 <a:solidFill>
                   <a:srgbClr val="FFFF00"/>
                 </a:solidFill>
@@ -11161,7 +11118,7 @@
         </p:blipFill>
         <p:spPr>
           <a:xfrm>
-            <a:off x="1" y="10"/>
+            <a:off x="594532" y="685810"/>
             <a:ext cx="6724041" cy="4343390"/>
           </a:xfrm>
           <a:prstGeom prst="rect">
@@ -11196,7 +11153,7 @@
         </p:blipFill>
         <p:spPr>
           <a:xfrm>
-            <a:off x="6717320" y="10"/>
+            <a:off x="7311839" y="685810"/>
             <a:ext cx="6724042" cy="4343390"/>
           </a:xfrm>
           <a:prstGeom prst="rect">
@@ -11231,7 +11188,7 @@
         </p:blipFill>
         <p:spPr>
           <a:xfrm>
-            <a:off x="1" y="4343400"/>
+            <a:off x="594534" y="5029202"/>
             <a:ext cx="6724041" cy="4343400"/>
           </a:xfrm>
           <a:prstGeom prst="rect">
@@ -11266,7 +11223,7 @@
         </p:blipFill>
         <p:spPr>
           <a:xfrm>
-            <a:off x="6717320" y="4343400"/>
+            <a:off x="7311840" y="5029202"/>
             <a:ext cx="6724042" cy="4343400"/>
           </a:xfrm>
           <a:prstGeom prst="rect">
@@ -11301,7 +11258,7 @@
         </p:blipFill>
         <p:spPr>
           <a:xfrm>
-            <a:off x="1" y="0"/>
+            <a:off x="594532" y="685800"/>
             <a:ext cx="6724041" cy="4343390"/>
           </a:xfrm>
           <a:prstGeom prst="rect">
@@ -11336,7 +11293,7 @@
         </p:blipFill>
         <p:spPr>
           <a:xfrm>
-            <a:off x="6717322" y="4343410"/>
+            <a:off x="7311856" y="5029210"/>
             <a:ext cx="6724041" cy="4343390"/>
           </a:xfrm>
           <a:prstGeom prst="rect">
@@ -11358,8 +11315,8 @@
         </p:nvSpPr>
         <p:spPr>
           <a:xfrm>
-            <a:off x="6460184" y="3881735"/>
-            <a:ext cx="520994" cy="923330"/>
+            <a:off x="7054704" y="4567544"/>
+            <a:ext cx="520994" cy="923201"/>
           </a:xfrm>
           <a:prstGeom prst="rect">
             <a:avLst/>
@@ -11373,7 +11330,7 @@
           <a:lstStyle/>
           <a:p>
             <a:r>
-              <a:rPr lang="en-US" sz="5400" dirty="0">
+              <a:rPr lang="en-US" sz="5399" dirty="0">
                 <a:solidFill>
                   <a:srgbClr val="FFFF00"/>
                 </a:solidFill>
@@ -11440,7 +11397,7 @@
         </p:blipFill>
         <p:spPr>
           <a:xfrm>
-            <a:off x="1" y="10"/>
+            <a:off x="594532" y="685810"/>
             <a:ext cx="6724041" cy="4343390"/>
           </a:xfrm>
           <a:prstGeom prst="rect">
@@ -11475,7 +11432,7 @@
         </p:blipFill>
         <p:spPr>
           <a:xfrm>
-            <a:off x="6717320" y="10"/>
+            <a:off x="7311839" y="685810"/>
             <a:ext cx="6724042" cy="4343390"/>
           </a:xfrm>
           <a:prstGeom prst="rect">
@@ -11510,7 +11467,7 @@
         </p:blipFill>
         <p:spPr>
           <a:xfrm>
-            <a:off x="1" y="4343400"/>
+            <a:off x="594534" y="5029202"/>
             <a:ext cx="6724041" cy="4343400"/>
           </a:xfrm>
           <a:prstGeom prst="rect">
@@ -11545,7 +11502,7 @@
         </p:blipFill>
         <p:spPr>
           <a:xfrm>
-            <a:off x="6717320" y="4343400"/>
+            <a:off x="7311840" y="5029202"/>
             <a:ext cx="6724042" cy="4343400"/>
           </a:xfrm>
           <a:prstGeom prst="rect">
@@ -11580,7 +11537,7 @@
         </p:blipFill>
         <p:spPr>
           <a:xfrm>
-            <a:off x="6724042" y="0"/>
+            <a:off x="7318576" y="685800"/>
             <a:ext cx="6724041" cy="4343390"/>
           </a:xfrm>
           <a:prstGeom prst="rect">
@@ -11615,7 +11572,7 @@
         </p:blipFill>
         <p:spPr>
           <a:xfrm>
-            <a:off x="6723" y="4343390"/>
+            <a:off x="601256" y="5029190"/>
             <a:ext cx="6724041" cy="4343390"/>
           </a:xfrm>
           <a:prstGeom prst="rect">
@@ -11637,8 +11594,8 @@
         </p:nvSpPr>
         <p:spPr>
           <a:xfrm>
-            <a:off x="6460184" y="3881735"/>
-            <a:ext cx="520994" cy="923330"/>
+            <a:off x="7054704" y="4567544"/>
+            <a:ext cx="520994" cy="923201"/>
           </a:xfrm>
           <a:prstGeom prst="rect">
             <a:avLst/>
@@ -11652,7 +11609,7 @@
           <a:lstStyle/>
           <a:p>
             <a:r>
-              <a:rPr lang="en-US" sz="5400" dirty="0">
+              <a:rPr lang="en-US" sz="5399" dirty="0">
                 <a:solidFill>
                   <a:srgbClr val="FFFF00"/>
                 </a:solidFill>
